--- a/Presentation.pptx
+++ b/Presentation.pptx
@@ -5,19 +5,23 @@
     <p:sldMasterId id="2147483660" r:id="rId1"/>
   </p:sldMasterIdLst>
   <p:notesMasterIdLst>
-    <p:notesMasterId r:id="rId12"/>
+    <p:notesMasterId r:id="rId16"/>
   </p:notesMasterIdLst>
   <p:sldIdLst>
     <p:sldId id="256" r:id="rId2"/>
     <p:sldId id="264" r:id="rId3"/>
     <p:sldId id="265" r:id="rId4"/>
-    <p:sldId id="257" r:id="rId5"/>
-    <p:sldId id="258" r:id="rId6"/>
-    <p:sldId id="259" r:id="rId7"/>
-    <p:sldId id="262" r:id="rId8"/>
-    <p:sldId id="263" r:id="rId9"/>
-    <p:sldId id="266" r:id="rId10"/>
-    <p:sldId id="267" r:id="rId11"/>
+    <p:sldId id="272" r:id="rId5"/>
+    <p:sldId id="273" r:id="rId6"/>
+    <p:sldId id="257" r:id="rId7"/>
+    <p:sldId id="258" r:id="rId8"/>
+    <p:sldId id="259" r:id="rId9"/>
+    <p:sldId id="262" r:id="rId10"/>
+    <p:sldId id="274" r:id="rId11"/>
+    <p:sldId id="268" r:id="rId12"/>
+    <p:sldId id="263" r:id="rId13"/>
+    <p:sldId id="266" r:id="rId14"/>
+    <p:sldId id="267" r:id="rId15"/>
   </p:sldIdLst>
   <p:sldSz cx="12192000" cy="6858000"/>
   <p:notesSz cx="6858000" cy="9144000"/>
@@ -116,6 +120,11 @@
       </a:defRPr>
     </a:lvl9pPr>
   </p:defaultTextStyle>
+  <p:extLst>
+    <p:ext uri="{EFAFB233-063F-42B5-8137-9DF3F51BA10A}">
+      <p15:sldGuideLst xmlns:p15="http://schemas.microsoft.com/office/powerpoint/2012/main"/>
+    </p:ext>
+  </p:extLst>
 </p:presentation>
 </file>
 
@@ -556,7 +565,7 @@
 </p:notes>
 </file>
 
-<file path=ppt/notesSlides/notesSlide2.xml><?xml version="1.0" encoding="utf-8"?>
+<file path=ppt/notesSlides/notesSlide10.xml><?xml version="1.0" encoding="utf-8"?>
 <p:notes xmlns:a="http://schemas.openxmlformats.org/drawingml/2006/main" xmlns:r="http://schemas.openxmlformats.org/officeDocument/2006/relationships" xmlns:p="http://schemas.openxmlformats.org/presentationml/2006/main">
   <p:cSld>
     <p:spTree>
@@ -600,13 +609,127 @@
           <a:bodyPr/>
           <a:lstStyle/>
           <a:p>
+            <a:r>
+              <a:rPr lang="en-US" dirty="0"/>
+              <a:t>Other Slides </a:t>
+            </a:r>
+          </a:p>
+        </p:txBody>
+      </p:sp>
+      <p:sp>
+        <p:nvSpPr>
+          <p:cNvPr id="4" name="Slide Number Placeholder 3"/>
+          <p:cNvSpPr>
+            <a:spLocks noGrp="1"/>
+          </p:cNvSpPr>
+          <p:nvPr>
+            <p:ph type="sldNum" sz="quarter" idx="5"/>
+          </p:nvPr>
+        </p:nvSpPr>
+        <p:spPr/>
+        <p:txBody>
+          <a:bodyPr/>
+          <a:lstStyle/>
+          <a:p>
+            <a:fld id="{A10E63BD-07BC-F449-B264-0CD82B982014}" type="slidenum">
+              <a:rPr lang="en-US" smtClean="0"/>
+              <a:t>12</a:t>
+            </a:fld>
             <a:endParaRPr lang="en-US" dirty="0"/>
           </a:p>
         </p:txBody>
       </p:sp>
-      <p:sp>
-        <p:nvSpPr>
-          <p:cNvPr id="4" name="Slide Number Placeholder 3"/>
+    </p:spTree>
+    <p:extLst>
+      <p:ext uri="{BB962C8B-B14F-4D97-AF65-F5344CB8AC3E}">
+        <p14:creationId xmlns:p14="http://schemas.microsoft.com/office/powerpoint/2010/main" val="3410719364"/>
+      </p:ext>
+    </p:extLst>
+  </p:cSld>
+  <p:clrMapOvr>
+    <a:masterClrMapping/>
+  </p:clrMapOvr>
+</p:notes>
+</file>
+
+<file path=ppt/notesSlides/notesSlide2.xml><?xml version="1.0" encoding="utf-8"?>
+<p:notes xmlns:a="http://schemas.openxmlformats.org/drawingml/2006/main" xmlns:r="http://schemas.openxmlformats.org/officeDocument/2006/relationships" xmlns:p="http://schemas.openxmlformats.org/presentationml/2006/main">
+  <p:cSld>
+    <p:spTree>
+      <p:nvGrpSpPr>
+        <p:cNvPr id="1" name="">
+          <a:extLst>
+            <a:ext uri="{FF2B5EF4-FFF2-40B4-BE49-F238E27FC236}">
+              <a16:creationId xmlns:a16="http://schemas.microsoft.com/office/drawing/2014/main" id="{6AEC8A42-0B30-4FE7-AD09-07B591EBF7BC}"/>
+            </a:ext>
+          </a:extLst>
+        </p:cNvPr>
+        <p:cNvGrpSpPr/>
+        <p:nvPr/>
+      </p:nvGrpSpPr>
+      <p:grpSpPr>
+        <a:xfrm>
+          <a:off x="0" y="0"/>
+          <a:ext cx="0" cy="0"/>
+          <a:chOff x="0" y="0"/>
+          <a:chExt cx="0" cy="0"/>
+        </a:xfrm>
+      </p:grpSpPr>
+      <p:sp>
+        <p:nvSpPr>
+          <p:cNvPr id="2" name="Slide Image Placeholder 1">
+            <a:extLst>
+              <a:ext uri="{FF2B5EF4-FFF2-40B4-BE49-F238E27FC236}">
+                <a16:creationId xmlns:a16="http://schemas.microsoft.com/office/drawing/2014/main" id="{EF6DA76E-6BD5-F578-3B91-7917501851BC}"/>
+              </a:ext>
+            </a:extLst>
+          </p:cNvPr>
+          <p:cNvSpPr>
+            <a:spLocks noGrp="1" noRot="1" noChangeAspect="1"/>
+          </p:cNvSpPr>
+          <p:nvPr>
+            <p:ph type="sldImg"/>
+          </p:nvPr>
+        </p:nvSpPr>
+        <p:spPr/>
+      </p:sp>
+      <p:sp>
+        <p:nvSpPr>
+          <p:cNvPr id="3" name="Notes Placeholder 2">
+            <a:extLst>
+              <a:ext uri="{FF2B5EF4-FFF2-40B4-BE49-F238E27FC236}">
+                <a16:creationId xmlns:a16="http://schemas.microsoft.com/office/drawing/2014/main" id="{E5E238E8-F0F2-9F8C-80B8-6CB0D65031EC}"/>
+              </a:ext>
+            </a:extLst>
+          </p:cNvPr>
+          <p:cNvSpPr>
+            <a:spLocks noGrp="1"/>
+          </p:cNvSpPr>
+          <p:nvPr>
+            <p:ph type="body" idx="1"/>
+          </p:nvPr>
+        </p:nvSpPr>
+        <p:spPr/>
+        <p:txBody>
+          <a:bodyPr/>
+          <a:lstStyle/>
+          <a:p>
+            <a:r>
+              <a:rPr lang="en-US" dirty="0"/>
+              <a:t>Show the product in action </a:t>
+            </a:r>
+          </a:p>
+        </p:txBody>
+      </p:sp>
+      <p:sp>
+        <p:nvSpPr>
+          <p:cNvPr id="4" name="Slide Number Placeholder 3">
+            <a:extLst>
+              <a:ext uri="{FF2B5EF4-FFF2-40B4-BE49-F238E27FC236}">
+                <a16:creationId xmlns:a16="http://schemas.microsoft.com/office/drawing/2014/main" id="{4C798765-D2EA-BBFD-74B1-B1C779275DB7}"/>
+              </a:ext>
+            </a:extLst>
+          </p:cNvPr>
           <p:cNvSpPr>
             <a:spLocks noGrp="1"/>
           </p:cNvSpPr>
@@ -630,7 +753,7 @@
     </p:spTree>
     <p:extLst>
       <p:ext uri="{BB962C8B-B14F-4D97-AF65-F5344CB8AC3E}">
-        <p14:creationId xmlns:p14="http://schemas.microsoft.com/office/powerpoint/2010/main" val="2192325500"/>
+        <p14:creationId xmlns:p14="http://schemas.microsoft.com/office/powerpoint/2010/main" val="1613990546"/>
       </p:ext>
     </p:extLst>
   </p:cSld>
@@ -645,7 +768,13 @@
   <p:cSld>
     <p:spTree>
       <p:nvGrpSpPr>
-        <p:cNvPr id="1" name=""/>
+        <p:cNvPr id="1" name="">
+          <a:extLst>
+            <a:ext uri="{FF2B5EF4-FFF2-40B4-BE49-F238E27FC236}">
+              <a16:creationId xmlns:a16="http://schemas.microsoft.com/office/drawing/2014/main" id="{D8A3C2EE-5ECC-9863-73A1-98A5393FCB42}"/>
+            </a:ext>
+          </a:extLst>
+        </p:cNvPr>
         <p:cNvGrpSpPr/>
         <p:nvPr/>
       </p:nvGrpSpPr>
@@ -659,7 +788,13 @@
       </p:grpSpPr>
       <p:sp>
         <p:nvSpPr>
-          <p:cNvPr id="2" name="Slide Image Placeholder 1"/>
+          <p:cNvPr id="2" name="Slide Image Placeholder 1">
+            <a:extLst>
+              <a:ext uri="{FF2B5EF4-FFF2-40B4-BE49-F238E27FC236}">
+                <a16:creationId xmlns:a16="http://schemas.microsoft.com/office/drawing/2014/main" id="{35C76B09-B817-7F82-157A-78A4134CB9B8}"/>
+              </a:ext>
+            </a:extLst>
+          </p:cNvPr>
           <p:cNvSpPr>
             <a:spLocks noGrp="1" noRot="1" noChangeAspect="1"/>
           </p:cNvSpPr>
@@ -671,7 +806,13 @@
       </p:sp>
       <p:sp>
         <p:nvSpPr>
-          <p:cNvPr id="3" name="Notes Placeholder 2"/>
+          <p:cNvPr id="3" name="Notes Placeholder 2">
+            <a:extLst>
+              <a:ext uri="{FF2B5EF4-FFF2-40B4-BE49-F238E27FC236}">
+                <a16:creationId xmlns:a16="http://schemas.microsoft.com/office/drawing/2014/main" id="{1DA3E959-0912-F0AF-26D9-613A7BF74E3D}"/>
+              </a:ext>
+            </a:extLst>
+          </p:cNvPr>
           <p:cNvSpPr>
             <a:spLocks noGrp="1"/>
           </p:cNvSpPr>
@@ -686,14 +827,20 @@
           <a:p>
             <a:r>
               <a:rPr lang="en-US" dirty="0"/>
-              <a:t>Why is our product useful </a:t>
-            </a:r>
-          </a:p>
-        </p:txBody>
-      </p:sp>
-      <p:sp>
-        <p:nvSpPr>
-          <p:cNvPr id="4" name="Slide Number Placeholder 3"/>
+              <a:t>Show the product in action </a:t>
+            </a:r>
+          </a:p>
+        </p:txBody>
+      </p:sp>
+      <p:sp>
+        <p:nvSpPr>
+          <p:cNvPr id="4" name="Slide Number Placeholder 3">
+            <a:extLst>
+              <a:ext uri="{FF2B5EF4-FFF2-40B4-BE49-F238E27FC236}">
+                <a16:creationId xmlns:a16="http://schemas.microsoft.com/office/drawing/2014/main" id="{3CE1FDEA-CABC-BF46-CC6C-F9512AB863AC}"/>
+              </a:ext>
+            </a:extLst>
+          </p:cNvPr>
           <p:cNvSpPr>
             <a:spLocks noGrp="1"/>
           </p:cNvSpPr>
@@ -717,7 +864,7 @@
     </p:spTree>
     <p:extLst>
       <p:ext uri="{BB962C8B-B14F-4D97-AF65-F5344CB8AC3E}">
-        <p14:creationId xmlns:p14="http://schemas.microsoft.com/office/powerpoint/2010/main" val="137934332"/>
+        <p14:creationId xmlns:p14="http://schemas.microsoft.com/office/powerpoint/2010/main" val="3781941816"/>
       </p:ext>
     </p:extLst>
   </p:cSld>
@@ -771,10 +918,7 @@
           <a:bodyPr/>
           <a:lstStyle/>
           <a:p>
-            <a:r>
-              <a:rPr lang="en-US" dirty="0"/>
-              <a:t>Show the product in action </a:t>
-            </a:r>
+            <a:endParaRPr lang="en-US" dirty="0"/>
           </a:p>
         </p:txBody>
       </p:sp>
@@ -804,7 +948,7 @@
     </p:spTree>
     <p:extLst>
       <p:ext uri="{BB962C8B-B14F-4D97-AF65-F5344CB8AC3E}">
-        <p14:creationId xmlns:p14="http://schemas.microsoft.com/office/powerpoint/2010/main" val="3108235655"/>
+        <p14:creationId xmlns:p14="http://schemas.microsoft.com/office/powerpoint/2010/main" val="2192325500"/>
       </p:ext>
     </p:extLst>
   </p:cSld>
@@ -860,11 +1004,8 @@
           <a:p>
             <a:r>
               <a:rPr lang="en-US" dirty="0"/>
-              <a:t>Program Structure</a:t>
-            </a:r>
-          </a:p>
-          <a:p>
-            <a:endParaRPr lang="en-US" dirty="0"/>
+              <a:t>Why is our product useful </a:t>
+            </a:r>
           </a:p>
         </p:txBody>
       </p:sp>
@@ -894,7 +1035,7 @@
     </p:spTree>
     <p:extLst>
       <p:ext uri="{BB962C8B-B14F-4D97-AF65-F5344CB8AC3E}">
-        <p14:creationId xmlns:p14="http://schemas.microsoft.com/office/powerpoint/2010/main" val="1367961376"/>
+        <p14:creationId xmlns:p14="http://schemas.microsoft.com/office/powerpoint/2010/main" val="137934332"/>
       </p:ext>
     </p:extLst>
   </p:cSld>
@@ -950,7 +1091,7 @@
           <a:p>
             <a:r>
               <a:rPr lang="en-US" dirty="0"/>
-              <a:t>Other Slides </a:t>
+              <a:t>Show the product in action </a:t>
             </a:r>
           </a:p>
         </p:txBody>
@@ -981,7 +1122,325 @@
     </p:spTree>
     <p:extLst>
       <p:ext uri="{BB962C8B-B14F-4D97-AF65-F5344CB8AC3E}">
-        <p14:creationId xmlns:p14="http://schemas.microsoft.com/office/powerpoint/2010/main" val="3410719364"/>
+        <p14:creationId xmlns:p14="http://schemas.microsoft.com/office/powerpoint/2010/main" val="3108235655"/>
+      </p:ext>
+    </p:extLst>
+  </p:cSld>
+  <p:clrMapOvr>
+    <a:masterClrMapping/>
+  </p:clrMapOvr>
+</p:notes>
+</file>
+
+<file path=ppt/notesSlides/notesSlide7.xml><?xml version="1.0" encoding="utf-8"?>
+<p:notes xmlns:a="http://schemas.openxmlformats.org/drawingml/2006/main" xmlns:r="http://schemas.openxmlformats.org/officeDocument/2006/relationships" xmlns:p="http://schemas.openxmlformats.org/presentationml/2006/main">
+  <p:cSld>
+    <p:spTree>
+      <p:nvGrpSpPr>
+        <p:cNvPr id="1" name=""/>
+        <p:cNvGrpSpPr/>
+        <p:nvPr/>
+      </p:nvGrpSpPr>
+      <p:grpSpPr>
+        <a:xfrm>
+          <a:off x="0" y="0"/>
+          <a:ext cx="0" cy="0"/>
+          <a:chOff x="0" y="0"/>
+          <a:chExt cx="0" cy="0"/>
+        </a:xfrm>
+      </p:grpSpPr>
+      <p:sp>
+        <p:nvSpPr>
+          <p:cNvPr id="2" name="Slide Image Placeholder 1"/>
+          <p:cNvSpPr>
+            <a:spLocks noGrp="1" noRot="1" noChangeAspect="1"/>
+          </p:cNvSpPr>
+          <p:nvPr>
+            <p:ph type="sldImg"/>
+          </p:nvPr>
+        </p:nvSpPr>
+        <p:spPr/>
+      </p:sp>
+      <p:sp>
+        <p:nvSpPr>
+          <p:cNvPr id="3" name="Notes Placeholder 2"/>
+          <p:cNvSpPr>
+            <a:spLocks noGrp="1"/>
+          </p:cNvSpPr>
+          <p:nvPr>
+            <p:ph type="body" idx="1"/>
+          </p:nvPr>
+        </p:nvSpPr>
+        <p:spPr/>
+        <p:txBody>
+          <a:bodyPr/>
+          <a:lstStyle/>
+          <a:p>
+            <a:r>
+              <a:rPr lang="en-US" dirty="0"/>
+              <a:t>Program Structure</a:t>
+            </a:r>
+          </a:p>
+          <a:p>
+            <a:endParaRPr lang="en-US" dirty="0"/>
+          </a:p>
+        </p:txBody>
+      </p:sp>
+      <p:sp>
+        <p:nvSpPr>
+          <p:cNvPr id="4" name="Slide Number Placeholder 3"/>
+          <p:cNvSpPr>
+            <a:spLocks noGrp="1"/>
+          </p:cNvSpPr>
+          <p:nvPr>
+            <p:ph type="sldNum" sz="quarter" idx="5"/>
+          </p:nvPr>
+        </p:nvSpPr>
+        <p:spPr/>
+        <p:txBody>
+          <a:bodyPr/>
+          <a:lstStyle/>
+          <a:p>
+            <a:fld id="{A10E63BD-07BC-F449-B264-0CD82B982014}" type="slidenum">
+              <a:rPr lang="en-US" smtClean="0"/>
+              <a:t>9</a:t>
+            </a:fld>
+            <a:endParaRPr lang="en-US" dirty="0"/>
+          </a:p>
+        </p:txBody>
+      </p:sp>
+    </p:spTree>
+    <p:extLst>
+      <p:ext uri="{BB962C8B-B14F-4D97-AF65-F5344CB8AC3E}">
+        <p14:creationId xmlns:p14="http://schemas.microsoft.com/office/powerpoint/2010/main" val="1367961376"/>
+      </p:ext>
+    </p:extLst>
+  </p:cSld>
+  <p:clrMapOvr>
+    <a:masterClrMapping/>
+  </p:clrMapOvr>
+</p:notes>
+</file>
+
+<file path=ppt/notesSlides/notesSlide8.xml><?xml version="1.0" encoding="utf-8"?>
+<p:notes xmlns:a="http://schemas.openxmlformats.org/drawingml/2006/main" xmlns:r="http://schemas.openxmlformats.org/officeDocument/2006/relationships" xmlns:p="http://schemas.openxmlformats.org/presentationml/2006/main">
+  <p:cSld>
+    <p:spTree>
+      <p:nvGrpSpPr>
+        <p:cNvPr id="1" name="">
+          <a:extLst>
+            <a:ext uri="{FF2B5EF4-FFF2-40B4-BE49-F238E27FC236}">
+              <a16:creationId xmlns:a16="http://schemas.microsoft.com/office/drawing/2014/main" id="{0AD6383C-E96A-59A9-8F2C-1A8A8185FDC5}"/>
+            </a:ext>
+          </a:extLst>
+        </p:cNvPr>
+        <p:cNvGrpSpPr/>
+        <p:nvPr/>
+      </p:nvGrpSpPr>
+      <p:grpSpPr>
+        <a:xfrm>
+          <a:off x="0" y="0"/>
+          <a:ext cx="0" cy="0"/>
+          <a:chOff x="0" y="0"/>
+          <a:chExt cx="0" cy="0"/>
+        </a:xfrm>
+      </p:grpSpPr>
+      <p:sp>
+        <p:nvSpPr>
+          <p:cNvPr id="2" name="Slide Image Placeholder 1">
+            <a:extLst>
+              <a:ext uri="{FF2B5EF4-FFF2-40B4-BE49-F238E27FC236}">
+                <a16:creationId xmlns:a16="http://schemas.microsoft.com/office/drawing/2014/main" id="{4AE622CC-A74F-C993-3EF0-A8714D71B570}"/>
+              </a:ext>
+            </a:extLst>
+          </p:cNvPr>
+          <p:cNvSpPr>
+            <a:spLocks noGrp="1" noRot="1" noChangeAspect="1"/>
+          </p:cNvSpPr>
+          <p:nvPr>
+            <p:ph type="sldImg"/>
+          </p:nvPr>
+        </p:nvSpPr>
+        <p:spPr/>
+      </p:sp>
+      <p:sp>
+        <p:nvSpPr>
+          <p:cNvPr id="3" name="Notes Placeholder 2">
+            <a:extLst>
+              <a:ext uri="{FF2B5EF4-FFF2-40B4-BE49-F238E27FC236}">
+                <a16:creationId xmlns:a16="http://schemas.microsoft.com/office/drawing/2014/main" id="{4F889615-F013-DF4D-C31F-32825D1A8569}"/>
+              </a:ext>
+            </a:extLst>
+          </p:cNvPr>
+          <p:cNvSpPr>
+            <a:spLocks noGrp="1"/>
+          </p:cNvSpPr>
+          <p:nvPr>
+            <p:ph type="body" idx="1"/>
+          </p:nvPr>
+        </p:nvSpPr>
+        <p:spPr/>
+        <p:txBody>
+          <a:bodyPr/>
+          <a:lstStyle/>
+          <a:p>
+            <a:r>
+              <a:rPr lang="en-US" dirty="0"/>
+              <a:t>Program Structure</a:t>
+            </a:r>
+          </a:p>
+          <a:p>
+            <a:endParaRPr lang="en-US" dirty="0"/>
+          </a:p>
+        </p:txBody>
+      </p:sp>
+      <p:sp>
+        <p:nvSpPr>
+          <p:cNvPr id="4" name="Slide Number Placeholder 3">
+            <a:extLst>
+              <a:ext uri="{FF2B5EF4-FFF2-40B4-BE49-F238E27FC236}">
+                <a16:creationId xmlns:a16="http://schemas.microsoft.com/office/drawing/2014/main" id="{74AC4DED-0910-A5EB-D8DC-5CD9A81C5AF5}"/>
+              </a:ext>
+            </a:extLst>
+          </p:cNvPr>
+          <p:cNvSpPr>
+            <a:spLocks noGrp="1"/>
+          </p:cNvSpPr>
+          <p:nvPr>
+            <p:ph type="sldNum" sz="quarter" idx="5"/>
+          </p:nvPr>
+        </p:nvSpPr>
+        <p:spPr/>
+        <p:txBody>
+          <a:bodyPr/>
+          <a:lstStyle/>
+          <a:p>
+            <a:fld id="{A10E63BD-07BC-F449-B264-0CD82B982014}" type="slidenum">
+              <a:rPr lang="en-US" smtClean="0"/>
+              <a:t>10</a:t>
+            </a:fld>
+            <a:endParaRPr lang="en-US" dirty="0"/>
+          </a:p>
+        </p:txBody>
+      </p:sp>
+    </p:spTree>
+    <p:extLst>
+      <p:ext uri="{BB962C8B-B14F-4D97-AF65-F5344CB8AC3E}">
+        <p14:creationId xmlns:p14="http://schemas.microsoft.com/office/powerpoint/2010/main" val="1344961194"/>
+      </p:ext>
+    </p:extLst>
+  </p:cSld>
+  <p:clrMapOvr>
+    <a:masterClrMapping/>
+  </p:clrMapOvr>
+</p:notes>
+</file>
+
+<file path=ppt/notesSlides/notesSlide9.xml><?xml version="1.0" encoding="utf-8"?>
+<p:notes xmlns:a="http://schemas.openxmlformats.org/drawingml/2006/main" xmlns:r="http://schemas.openxmlformats.org/officeDocument/2006/relationships" xmlns:p="http://schemas.openxmlformats.org/presentationml/2006/main">
+  <p:cSld>
+    <p:spTree>
+      <p:nvGrpSpPr>
+        <p:cNvPr id="1" name="">
+          <a:extLst>
+            <a:ext uri="{FF2B5EF4-FFF2-40B4-BE49-F238E27FC236}">
+              <a16:creationId xmlns:a16="http://schemas.microsoft.com/office/drawing/2014/main" id="{A733992D-C5EE-3BDF-00FF-B21DA7D882F8}"/>
+            </a:ext>
+          </a:extLst>
+        </p:cNvPr>
+        <p:cNvGrpSpPr/>
+        <p:nvPr/>
+      </p:nvGrpSpPr>
+      <p:grpSpPr>
+        <a:xfrm>
+          <a:off x="0" y="0"/>
+          <a:ext cx="0" cy="0"/>
+          <a:chOff x="0" y="0"/>
+          <a:chExt cx="0" cy="0"/>
+        </a:xfrm>
+      </p:grpSpPr>
+      <p:sp>
+        <p:nvSpPr>
+          <p:cNvPr id="2" name="Slide Image Placeholder 1">
+            <a:extLst>
+              <a:ext uri="{FF2B5EF4-FFF2-40B4-BE49-F238E27FC236}">
+                <a16:creationId xmlns:a16="http://schemas.microsoft.com/office/drawing/2014/main" id="{B51F54AD-995C-5A44-D372-687A7BE1D65E}"/>
+              </a:ext>
+            </a:extLst>
+          </p:cNvPr>
+          <p:cNvSpPr>
+            <a:spLocks noGrp="1" noRot="1" noChangeAspect="1"/>
+          </p:cNvSpPr>
+          <p:nvPr>
+            <p:ph type="sldImg"/>
+          </p:nvPr>
+        </p:nvSpPr>
+        <p:spPr/>
+      </p:sp>
+      <p:sp>
+        <p:nvSpPr>
+          <p:cNvPr id="3" name="Notes Placeholder 2">
+            <a:extLst>
+              <a:ext uri="{FF2B5EF4-FFF2-40B4-BE49-F238E27FC236}">
+                <a16:creationId xmlns:a16="http://schemas.microsoft.com/office/drawing/2014/main" id="{D497B177-02EB-1FED-F337-944BEBDDF5DF}"/>
+              </a:ext>
+            </a:extLst>
+          </p:cNvPr>
+          <p:cNvSpPr>
+            <a:spLocks noGrp="1"/>
+          </p:cNvSpPr>
+          <p:nvPr>
+            <p:ph type="body" idx="1"/>
+          </p:nvPr>
+        </p:nvSpPr>
+        <p:spPr/>
+        <p:txBody>
+          <a:bodyPr/>
+          <a:lstStyle/>
+          <a:p>
+            <a:r>
+              <a:rPr lang="en-US" dirty="0"/>
+              <a:t>Program Structure</a:t>
+            </a:r>
+          </a:p>
+          <a:p>
+            <a:endParaRPr lang="en-US" dirty="0"/>
+          </a:p>
+        </p:txBody>
+      </p:sp>
+      <p:sp>
+        <p:nvSpPr>
+          <p:cNvPr id="4" name="Slide Number Placeholder 3">
+            <a:extLst>
+              <a:ext uri="{FF2B5EF4-FFF2-40B4-BE49-F238E27FC236}">
+                <a16:creationId xmlns:a16="http://schemas.microsoft.com/office/drawing/2014/main" id="{8EA1762E-63E1-CB63-6418-C4E1D63C0392}"/>
+              </a:ext>
+            </a:extLst>
+          </p:cNvPr>
+          <p:cNvSpPr>
+            <a:spLocks noGrp="1"/>
+          </p:cNvSpPr>
+          <p:nvPr>
+            <p:ph type="sldNum" sz="quarter" idx="5"/>
+          </p:nvPr>
+        </p:nvSpPr>
+        <p:spPr/>
+        <p:txBody>
+          <a:bodyPr/>
+          <a:lstStyle/>
+          <a:p>
+            <a:fld id="{A10E63BD-07BC-F449-B264-0CD82B982014}" type="slidenum">
+              <a:rPr lang="en-US" smtClean="0"/>
+              <a:t>11</a:t>
+            </a:fld>
+            <a:endParaRPr lang="en-US" dirty="0"/>
+          </a:p>
+        </p:txBody>
+      </p:sp>
+    </p:spTree>
+    <p:extLst>
+      <p:ext uri="{BB962C8B-B14F-4D97-AF65-F5344CB8AC3E}">
+        <p14:creationId xmlns:p14="http://schemas.microsoft.com/office/powerpoint/2010/main" val="1694567314"/>
       </p:ext>
     </p:extLst>
   </p:cSld>
@@ -4476,6 +4935,1133 @@
 </file>
 
 <file path=ppt/slides/slide10.xml><?xml version="1.0" encoding="utf-8"?>
+<p:sld xmlns:a="http://schemas.openxmlformats.org/drawingml/2006/main" xmlns:r="http://schemas.openxmlformats.org/officeDocument/2006/relationships" xmlns:p="http://schemas.openxmlformats.org/presentationml/2006/main">
+  <p:cSld>
+    <p:spTree>
+      <p:nvGrpSpPr>
+        <p:cNvPr id="1" name="">
+          <a:extLst>
+            <a:ext uri="{FF2B5EF4-FFF2-40B4-BE49-F238E27FC236}">
+              <a16:creationId xmlns:a16="http://schemas.microsoft.com/office/drawing/2014/main" id="{ED783AE9-D8BE-796A-C5FC-2D7E7E705BA6}"/>
+            </a:ext>
+          </a:extLst>
+        </p:cNvPr>
+        <p:cNvGrpSpPr/>
+        <p:nvPr/>
+      </p:nvGrpSpPr>
+      <p:grpSpPr>
+        <a:xfrm>
+          <a:off x="0" y="0"/>
+          <a:ext cx="0" cy="0"/>
+          <a:chOff x="0" y="0"/>
+          <a:chExt cx="0" cy="0"/>
+        </a:xfrm>
+      </p:grpSpPr>
+      <p:sp>
+        <p:nvSpPr>
+          <p:cNvPr id="2" name="TextBox 1">
+            <a:extLst>
+              <a:ext uri="{FF2B5EF4-FFF2-40B4-BE49-F238E27FC236}">
+                <a16:creationId xmlns:a16="http://schemas.microsoft.com/office/drawing/2014/main" id="{973E1A11-F9C6-073E-6150-7DA0FCF50E06}"/>
+              </a:ext>
+            </a:extLst>
+          </p:cNvPr>
+          <p:cNvSpPr txBox="1"/>
+          <p:nvPr/>
+        </p:nvSpPr>
+        <p:spPr>
+          <a:xfrm>
+            <a:off x="1377386" y="1988097"/>
+            <a:ext cx="3953162" cy="2246769"/>
+          </a:xfrm>
+          <a:prstGeom prst="rect">
+            <a:avLst/>
+          </a:prstGeom>
+          <a:noFill/>
+        </p:spPr>
+        <p:txBody>
+          <a:bodyPr wrap="square">
+            <a:spAutoFit/>
+          </a:bodyPr>
+          <a:lstStyle/>
+          <a:p>
+            <a:r>
+              <a:rPr lang="en-GB" sz="2000" dirty="0"/>
+              <a:t>Buzz Statements</a:t>
+            </a:r>
+          </a:p>
+          <a:p>
+            <a:pPr marL="342900" indent="-342900">
+              <a:buFontTx/>
+              <a:buChar char="-"/>
+            </a:pPr>
+            <a:endParaRPr lang="en-GB" sz="2000" dirty="0"/>
+          </a:p>
+          <a:p>
+            <a:pPr marL="342900" indent="-342900">
+              <a:buFontTx/>
+              <a:buChar char="-"/>
+            </a:pPr>
+            <a:endParaRPr lang="en-GB" sz="2000" dirty="0"/>
+          </a:p>
+          <a:p>
+            <a:pPr marL="342900" indent="-342900">
+              <a:buFontTx/>
+              <a:buChar char="-"/>
+            </a:pPr>
+            <a:endParaRPr lang="en-GB" sz="2000" dirty="0"/>
+          </a:p>
+          <a:p>
+            <a:pPr marL="342900" indent="-342900">
+              <a:buFontTx/>
+              <a:buChar char="-"/>
+            </a:pPr>
+            <a:endParaRPr lang="en-GB" sz="2000" dirty="0"/>
+          </a:p>
+          <a:p>
+            <a:pPr marL="342900" indent="-342900">
+              <a:buFontTx/>
+              <a:buChar char="-"/>
+            </a:pPr>
+            <a:endParaRPr lang="en-GB" sz="2000" dirty="0"/>
+          </a:p>
+          <a:p>
+            <a:r>
+              <a:rPr lang="en-GB" sz="2000" dirty="0"/>
+              <a:t>TTS</a:t>
+            </a:r>
+          </a:p>
+        </p:txBody>
+      </p:sp>
+      <p:sp>
+        <p:nvSpPr>
+          <p:cNvPr id="4" name="TextBox 3">
+            <a:extLst>
+              <a:ext uri="{FF2B5EF4-FFF2-40B4-BE49-F238E27FC236}">
+                <a16:creationId xmlns:a16="http://schemas.microsoft.com/office/drawing/2014/main" id="{E1210DEC-CC67-DE48-6230-CC81AF401EFB}"/>
+              </a:ext>
+            </a:extLst>
+          </p:cNvPr>
+          <p:cNvSpPr txBox="1"/>
+          <p:nvPr/>
+        </p:nvSpPr>
+        <p:spPr>
+          <a:xfrm>
+            <a:off x="954504" y="730267"/>
+            <a:ext cx="5951621" cy="646331"/>
+          </a:xfrm>
+          <a:prstGeom prst="rect">
+            <a:avLst/>
+          </a:prstGeom>
+          <a:noFill/>
+        </p:spPr>
+        <p:txBody>
+          <a:bodyPr wrap="square">
+            <a:spAutoFit/>
+          </a:bodyPr>
+          <a:lstStyle/>
+          <a:p>
+            <a:r>
+              <a:rPr lang="en-US" sz="3600" dirty="0">
+                <a:latin typeface="Adelle Sans Devanagari" panose="02000503000000020004" pitchFamily="2" charset="-78"/>
+                <a:cs typeface="Adelle Sans Devanagari" panose="02000503000000020004" pitchFamily="2" charset="-78"/>
+              </a:rPr>
+              <a:t>Program Structure</a:t>
+            </a:r>
+          </a:p>
+        </p:txBody>
+      </p:sp>
+      <p:cxnSp>
+        <p:nvCxnSpPr>
+          <p:cNvPr id="5" name="Straight Connector 4">
+            <a:extLst>
+              <a:ext uri="{FF2B5EF4-FFF2-40B4-BE49-F238E27FC236}">
+                <a16:creationId xmlns:a16="http://schemas.microsoft.com/office/drawing/2014/main" id="{68545FE9-EF4A-1F43-A1B9-3B871B811BEE}"/>
+              </a:ext>
+            </a:extLst>
+          </p:cNvPr>
+          <p:cNvCxnSpPr/>
+          <p:nvPr/>
+        </p:nvCxnSpPr>
+        <p:spPr>
+          <a:xfrm>
+            <a:off x="954504" y="1595704"/>
+            <a:ext cx="6535768" cy="0"/>
+          </a:xfrm>
+          <a:prstGeom prst="line">
+            <a:avLst/>
+          </a:prstGeom>
+          <a:ln w="38100">
+            <a:solidFill>
+              <a:schemeClr val="bg1">
+                <a:lumMod val="50000"/>
+                <a:lumOff val="50000"/>
+              </a:schemeClr>
+            </a:solidFill>
+          </a:ln>
+        </p:spPr>
+        <p:style>
+          <a:lnRef idx="2">
+            <a:schemeClr val="accent1"/>
+          </a:lnRef>
+          <a:fillRef idx="0">
+            <a:schemeClr val="accent1"/>
+          </a:fillRef>
+          <a:effectRef idx="1">
+            <a:schemeClr val="accent1"/>
+          </a:effectRef>
+          <a:fontRef idx="minor">
+            <a:schemeClr val="tx1"/>
+          </a:fontRef>
+        </p:style>
+      </p:cxnSp>
+      <p:grpSp>
+        <p:nvGrpSpPr>
+          <p:cNvPr id="12" name="Group 11">
+            <a:extLst>
+              <a:ext uri="{FF2B5EF4-FFF2-40B4-BE49-F238E27FC236}">
+                <a16:creationId xmlns:a16="http://schemas.microsoft.com/office/drawing/2014/main" id="{EB1BF3E6-9177-D856-F6C2-EB446BF0D5CF}"/>
+              </a:ext>
+            </a:extLst>
+          </p:cNvPr>
+          <p:cNvGrpSpPr/>
+          <p:nvPr/>
+        </p:nvGrpSpPr>
+        <p:grpSpPr>
+          <a:xfrm>
+            <a:off x="1377386" y="2479860"/>
+            <a:ext cx="2187616" cy="1125638"/>
+            <a:chOff x="3565002" y="1916848"/>
+            <a:chExt cx="2187616" cy="1125638"/>
+          </a:xfrm>
+        </p:grpSpPr>
+        <p:sp>
+          <p:nvSpPr>
+            <p:cNvPr id="3" name="Rectangle 2">
+              <a:extLst>
+                <a:ext uri="{FF2B5EF4-FFF2-40B4-BE49-F238E27FC236}">
+                  <a16:creationId xmlns:a16="http://schemas.microsoft.com/office/drawing/2014/main" id="{165C1586-50C4-83D1-6257-B798179E0D06}"/>
+                </a:ext>
+              </a:extLst>
+            </p:cNvPr>
+            <p:cNvSpPr/>
+            <p:nvPr/>
+          </p:nvSpPr>
+          <p:spPr>
+            <a:xfrm>
+              <a:off x="3565002" y="1916848"/>
+              <a:ext cx="2187616" cy="1125638"/>
+            </a:xfrm>
+            <a:prstGeom prst="rect">
+              <a:avLst/>
+            </a:prstGeom>
+            <a:solidFill>
+              <a:schemeClr val="bg1">
+                <a:lumMod val="65000"/>
+                <a:lumOff val="35000"/>
+                <a:alpha val="74118"/>
+              </a:schemeClr>
+            </a:solidFill>
+            <a:ln>
+              <a:solidFill>
+                <a:schemeClr val="tx1"/>
+              </a:solidFill>
+            </a:ln>
+          </p:spPr>
+          <p:style>
+            <a:lnRef idx="2">
+              <a:schemeClr val="accent1">
+                <a:shade val="15000"/>
+              </a:schemeClr>
+            </a:lnRef>
+            <a:fillRef idx="1">
+              <a:schemeClr val="accent1"/>
+            </a:fillRef>
+            <a:effectRef idx="0">
+              <a:schemeClr val="accent1"/>
+            </a:effectRef>
+            <a:fontRef idx="minor">
+              <a:schemeClr val="lt1"/>
+            </a:fontRef>
+          </p:style>
+          <p:txBody>
+            <a:bodyPr rtlCol="0" anchor="ctr"/>
+            <a:lstStyle/>
+            <a:p>
+              <a:pPr algn="ctr"/>
+              <a:endParaRPr lang="en-GB" dirty="0"/>
+            </a:p>
+          </p:txBody>
+        </p:sp>
+        <p:pic>
+          <p:nvPicPr>
+            <p:cNvPr id="1026" name="Picture 2" descr="Openai White Icons – Free Download SVG, PNG, GIF">
+              <a:extLst>
+                <a:ext uri="{FF2B5EF4-FFF2-40B4-BE49-F238E27FC236}">
+                  <a16:creationId xmlns:a16="http://schemas.microsoft.com/office/drawing/2014/main" id="{A222C91D-16F7-377D-89F2-052FF8262248}"/>
+                </a:ext>
+              </a:extLst>
+            </p:cNvPr>
+            <p:cNvPicPr>
+              <a:picLocks noChangeAspect="1" noChangeArrowheads="1"/>
+            </p:cNvPicPr>
+            <p:nvPr/>
+          </p:nvPicPr>
+          <p:blipFill>
+            <a:blip r:embed="rId3">
+              <a:extLst>
+                <a:ext uri="{28A0092B-C50C-407E-A947-70E740481C1C}">
+                  <a14:useLocalDpi xmlns:a14="http://schemas.microsoft.com/office/drawing/2010/main" val="0"/>
+                </a:ext>
+              </a:extLst>
+            </a:blip>
+            <a:srcRect/>
+            <a:stretch>
+              <a:fillRect/>
+            </a:stretch>
+          </p:blipFill>
+          <p:spPr bwMode="auto">
+            <a:xfrm>
+              <a:off x="4191482" y="2012339"/>
+              <a:ext cx="934656" cy="934656"/>
+            </a:xfrm>
+            <a:prstGeom prst="rect">
+              <a:avLst/>
+            </a:prstGeom>
+            <a:noFill/>
+            <a:extLst>
+              <a:ext uri="{909E8E84-426E-40DD-AFC4-6F175D3DCCD1}">
+                <a14:hiddenFill xmlns:a14="http://schemas.microsoft.com/office/drawing/2010/main">
+                  <a:solidFill>
+                    <a:srgbClr val="FFFFFF"/>
+                  </a:solidFill>
+                </a14:hiddenFill>
+              </a:ext>
+            </a:extLst>
+          </p:spPr>
+        </p:pic>
+      </p:grpSp>
+      <p:grpSp>
+        <p:nvGrpSpPr>
+          <p:cNvPr id="11" name="Group 10">
+            <a:extLst>
+              <a:ext uri="{FF2B5EF4-FFF2-40B4-BE49-F238E27FC236}">
+                <a16:creationId xmlns:a16="http://schemas.microsoft.com/office/drawing/2014/main" id="{2D153401-A68E-FEEC-B3BB-7ACBB6817585}"/>
+              </a:ext>
+            </a:extLst>
+          </p:cNvPr>
+          <p:cNvGrpSpPr/>
+          <p:nvPr/>
+        </p:nvGrpSpPr>
+        <p:grpSpPr>
+          <a:xfrm>
+            <a:off x="1377386" y="4303724"/>
+            <a:ext cx="2187616" cy="1125638"/>
+            <a:chOff x="3565002" y="3252696"/>
+            <a:chExt cx="2187616" cy="1125638"/>
+          </a:xfrm>
+        </p:grpSpPr>
+        <p:sp>
+          <p:nvSpPr>
+            <p:cNvPr id="6" name="Rectangle 5">
+              <a:extLst>
+                <a:ext uri="{FF2B5EF4-FFF2-40B4-BE49-F238E27FC236}">
+                  <a16:creationId xmlns:a16="http://schemas.microsoft.com/office/drawing/2014/main" id="{B0133CB5-4634-F54A-5837-C9F2ABA146A4}"/>
+                </a:ext>
+              </a:extLst>
+            </p:cNvPr>
+            <p:cNvSpPr/>
+            <p:nvPr/>
+          </p:nvSpPr>
+          <p:spPr>
+            <a:xfrm>
+              <a:off x="3565002" y="3252696"/>
+              <a:ext cx="2187616" cy="1125638"/>
+            </a:xfrm>
+            <a:prstGeom prst="rect">
+              <a:avLst/>
+            </a:prstGeom>
+            <a:solidFill>
+              <a:schemeClr val="bg1">
+                <a:lumMod val="65000"/>
+                <a:lumOff val="35000"/>
+                <a:alpha val="74118"/>
+              </a:schemeClr>
+            </a:solidFill>
+            <a:ln>
+              <a:solidFill>
+                <a:schemeClr val="tx1"/>
+              </a:solidFill>
+            </a:ln>
+          </p:spPr>
+          <p:style>
+            <a:lnRef idx="2">
+              <a:schemeClr val="accent1">
+                <a:shade val="15000"/>
+              </a:schemeClr>
+            </a:lnRef>
+            <a:fillRef idx="1">
+              <a:schemeClr val="accent1"/>
+            </a:fillRef>
+            <a:effectRef idx="0">
+              <a:schemeClr val="accent1"/>
+            </a:effectRef>
+            <a:fontRef idx="minor">
+              <a:schemeClr val="lt1"/>
+            </a:fontRef>
+          </p:style>
+          <p:txBody>
+            <a:bodyPr rtlCol="0" anchor="ctr"/>
+            <a:lstStyle/>
+            <a:p>
+              <a:pPr algn="ctr"/>
+              <a:endParaRPr lang="en-GB" dirty="0"/>
+            </a:p>
+          </p:txBody>
+        </p:sp>
+        <p:pic>
+          <p:nvPicPr>
+            <p:cNvPr id="9" name="Picture 8" descr="A white text on a black background&#10;&#10;AI-generated content may be incorrect.">
+              <a:extLst>
+                <a:ext uri="{FF2B5EF4-FFF2-40B4-BE49-F238E27FC236}">
+                  <a16:creationId xmlns:a16="http://schemas.microsoft.com/office/drawing/2014/main" id="{88DE9426-4E46-CACB-908F-2A57B3098A97}"/>
+                </a:ext>
+              </a:extLst>
+            </p:cNvPr>
+            <p:cNvPicPr>
+              <a:picLocks noChangeAspect="1"/>
+            </p:cNvPicPr>
+            <p:nvPr/>
+          </p:nvPicPr>
+          <p:blipFill>
+            <a:blip r:embed="rId4"/>
+            <a:stretch>
+              <a:fillRect/>
+            </a:stretch>
+          </p:blipFill>
+          <p:spPr>
+            <a:xfrm>
+              <a:off x="3653294" y="3645088"/>
+              <a:ext cx="2011031" cy="340853"/>
+            </a:xfrm>
+            <a:prstGeom prst="rect">
+              <a:avLst/>
+            </a:prstGeom>
+          </p:spPr>
+        </p:pic>
+      </p:grpSp>
+      <p:sp>
+        <p:nvSpPr>
+          <p:cNvPr id="13" name="TextBox 12">
+            <a:extLst>
+              <a:ext uri="{FF2B5EF4-FFF2-40B4-BE49-F238E27FC236}">
+                <a16:creationId xmlns:a16="http://schemas.microsoft.com/office/drawing/2014/main" id="{0CFC8AD0-498A-7D20-6D49-D71D036C42D5}"/>
+              </a:ext>
+            </a:extLst>
+          </p:cNvPr>
+          <p:cNvSpPr txBox="1"/>
+          <p:nvPr/>
+        </p:nvSpPr>
+        <p:spPr>
+          <a:xfrm>
+            <a:off x="6220325" y="2282059"/>
+            <a:ext cx="907357" cy="2646878"/>
+          </a:xfrm>
+          <a:prstGeom prst="rect">
+            <a:avLst/>
+          </a:prstGeom>
+          <a:noFill/>
+        </p:spPr>
+        <p:txBody>
+          <a:bodyPr wrap="square">
+            <a:spAutoFit/>
+          </a:bodyPr>
+          <a:lstStyle/>
+          <a:p>
+            <a:r>
+              <a:rPr lang="en-US" sz="16600" dirty="0">
+                <a:latin typeface="Adelle Sans Devanagari" panose="02000503000000020004" pitchFamily="2" charset="-78"/>
+                <a:cs typeface="Adelle Sans Devanagari" panose="02000503000000020004" pitchFamily="2" charset="-78"/>
+              </a:rPr>
+              <a:t>}</a:t>
+            </a:r>
+          </a:p>
+        </p:txBody>
+      </p:sp>
+      <p:sp>
+        <p:nvSpPr>
+          <p:cNvPr id="15" name="Rectangle 14">
+            <a:extLst>
+              <a:ext uri="{FF2B5EF4-FFF2-40B4-BE49-F238E27FC236}">
+                <a16:creationId xmlns:a16="http://schemas.microsoft.com/office/drawing/2014/main" id="{959E327F-7C0A-42CE-243E-F247CF7FBCC9}"/>
+              </a:ext>
+            </a:extLst>
+          </p:cNvPr>
+          <p:cNvSpPr/>
+          <p:nvPr/>
+        </p:nvSpPr>
+        <p:spPr>
+          <a:xfrm>
+            <a:off x="7933125" y="3178086"/>
+            <a:ext cx="2187616" cy="1125638"/>
+          </a:xfrm>
+          <a:prstGeom prst="rect">
+            <a:avLst/>
+          </a:prstGeom>
+          <a:solidFill>
+            <a:schemeClr val="bg1">
+              <a:lumMod val="65000"/>
+              <a:lumOff val="35000"/>
+              <a:alpha val="74118"/>
+            </a:schemeClr>
+          </a:solidFill>
+          <a:ln>
+            <a:solidFill>
+              <a:schemeClr val="tx1"/>
+            </a:solidFill>
+          </a:ln>
+        </p:spPr>
+        <p:style>
+          <a:lnRef idx="2">
+            <a:schemeClr val="accent1">
+              <a:shade val="15000"/>
+            </a:schemeClr>
+          </a:lnRef>
+          <a:fillRef idx="1">
+            <a:schemeClr val="accent1"/>
+          </a:fillRef>
+          <a:effectRef idx="0">
+            <a:schemeClr val="accent1"/>
+          </a:effectRef>
+          <a:fontRef idx="minor">
+            <a:schemeClr val="lt1"/>
+          </a:fontRef>
+        </p:style>
+        <p:txBody>
+          <a:bodyPr rtlCol="0" anchor="ctr"/>
+          <a:lstStyle/>
+          <a:p>
+            <a:pPr algn="ctr"/>
+            <a:r>
+              <a:rPr lang="en-GB" dirty="0"/>
+              <a:t>Backend</a:t>
+            </a:r>
+          </a:p>
+        </p:txBody>
+      </p:sp>
+      <p:sp>
+        <p:nvSpPr>
+          <p:cNvPr id="17" name="TextBox 16">
+            <a:extLst>
+              <a:ext uri="{FF2B5EF4-FFF2-40B4-BE49-F238E27FC236}">
+                <a16:creationId xmlns:a16="http://schemas.microsoft.com/office/drawing/2014/main" id="{4DBC2142-6EBF-6948-2957-45446BE7D19C}"/>
+              </a:ext>
+            </a:extLst>
+          </p:cNvPr>
+          <p:cNvSpPr txBox="1"/>
+          <p:nvPr/>
+        </p:nvSpPr>
+        <p:spPr>
+          <a:xfrm>
+            <a:off x="8017459" y="4866542"/>
+            <a:ext cx="3953162" cy="1015663"/>
+          </a:xfrm>
+          <a:prstGeom prst="rect">
+            <a:avLst/>
+          </a:prstGeom>
+          <a:noFill/>
+        </p:spPr>
+        <p:txBody>
+          <a:bodyPr wrap="square">
+            <a:spAutoFit/>
+          </a:bodyPr>
+          <a:lstStyle/>
+          <a:p>
+            <a:r>
+              <a:rPr lang="en-GB" sz="2000" dirty="0"/>
+              <a:t>Libraries used:</a:t>
+            </a:r>
+          </a:p>
+          <a:p>
+            <a:pPr marL="342900" indent="-342900">
+              <a:buFontTx/>
+              <a:buChar char="-"/>
+            </a:pPr>
+            <a:r>
+              <a:rPr lang="en-GB" sz="2000" dirty="0"/>
+              <a:t>Pypdfium2</a:t>
+            </a:r>
+          </a:p>
+          <a:p>
+            <a:pPr marL="342900" indent="-342900">
+              <a:buFontTx/>
+              <a:buChar char="-"/>
+            </a:pPr>
+            <a:r>
+              <a:rPr lang="en-GB" sz="2000" dirty="0"/>
+              <a:t>Requests</a:t>
+            </a:r>
+          </a:p>
+        </p:txBody>
+      </p:sp>
+      <p:pic>
+        <p:nvPicPr>
+          <p:cNvPr id="20" name="Picture 19" descr="A white and black logo&#10;&#10;AI-generated content may be incorrect.">
+            <a:extLst>
+              <a:ext uri="{FF2B5EF4-FFF2-40B4-BE49-F238E27FC236}">
+                <a16:creationId xmlns:a16="http://schemas.microsoft.com/office/drawing/2014/main" id="{1538057A-1A43-D8EF-955E-BD19F6AF3BA1}"/>
+              </a:ext>
+            </a:extLst>
+          </p:cNvPr>
+          <p:cNvPicPr>
+            <a:picLocks noChangeAspect="1"/>
+          </p:cNvPicPr>
+          <p:nvPr/>
+        </p:nvPicPr>
+        <p:blipFill>
+          <a:blip r:embed="rId5"/>
+          <a:stretch>
+            <a:fillRect/>
+          </a:stretch>
+        </p:blipFill>
+        <p:spPr>
+          <a:xfrm>
+            <a:off x="4789085" y="2940410"/>
+            <a:ext cx="1246083" cy="1600990"/>
+          </a:xfrm>
+          <a:prstGeom prst="rect">
+            <a:avLst/>
+          </a:prstGeom>
+        </p:spPr>
+      </p:pic>
+    </p:spTree>
+    <p:extLst>
+      <p:ext uri="{BB962C8B-B14F-4D97-AF65-F5344CB8AC3E}">
+        <p14:creationId xmlns:p14="http://schemas.microsoft.com/office/powerpoint/2010/main" val="570938560"/>
+      </p:ext>
+    </p:extLst>
+  </p:cSld>
+  <p:clrMapOvr>
+    <a:masterClrMapping/>
+  </p:clrMapOvr>
+</p:sld>
+</file>
+
+<file path=ppt/slides/slide11.xml><?xml version="1.0" encoding="utf-8"?>
+<p:sld xmlns:a="http://schemas.openxmlformats.org/drawingml/2006/main" xmlns:r="http://schemas.openxmlformats.org/officeDocument/2006/relationships" xmlns:p="http://schemas.openxmlformats.org/presentationml/2006/main">
+  <p:cSld>
+    <p:spTree>
+      <p:nvGrpSpPr>
+        <p:cNvPr id="1" name="">
+          <a:extLst>
+            <a:ext uri="{FF2B5EF4-FFF2-40B4-BE49-F238E27FC236}">
+              <a16:creationId xmlns:a16="http://schemas.microsoft.com/office/drawing/2014/main" id="{0557E293-B63E-CB6D-696D-E4BEE045D6F6}"/>
+            </a:ext>
+          </a:extLst>
+        </p:cNvPr>
+        <p:cNvGrpSpPr/>
+        <p:nvPr/>
+      </p:nvGrpSpPr>
+      <p:grpSpPr>
+        <a:xfrm>
+          <a:off x="0" y="0"/>
+          <a:ext cx="0" cy="0"/>
+          <a:chOff x="0" y="0"/>
+          <a:chExt cx="0" cy="0"/>
+        </a:xfrm>
+      </p:grpSpPr>
+      <p:sp>
+        <p:nvSpPr>
+          <p:cNvPr id="4" name="TextBox 3">
+            <a:extLst>
+              <a:ext uri="{FF2B5EF4-FFF2-40B4-BE49-F238E27FC236}">
+                <a16:creationId xmlns:a16="http://schemas.microsoft.com/office/drawing/2014/main" id="{AC732462-EEBA-7717-89A7-797A9699105A}"/>
+              </a:ext>
+            </a:extLst>
+          </p:cNvPr>
+          <p:cNvSpPr txBox="1"/>
+          <p:nvPr/>
+        </p:nvSpPr>
+        <p:spPr>
+          <a:xfrm>
+            <a:off x="954504" y="730267"/>
+            <a:ext cx="5951621" cy="646331"/>
+          </a:xfrm>
+          <a:prstGeom prst="rect">
+            <a:avLst/>
+          </a:prstGeom>
+          <a:noFill/>
+        </p:spPr>
+        <p:txBody>
+          <a:bodyPr wrap="square">
+            <a:spAutoFit/>
+          </a:bodyPr>
+          <a:lstStyle/>
+          <a:p>
+            <a:r>
+              <a:rPr lang="en-US" sz="3600" dirty="0">
+                <a:latin typeface="Adelle Sans Devanagari" panose="02000503000000020004" pitchFamily="2" charset="-78"/>
+                <a:cs typeface="Adelle Sans Devanagari" panose="02000503000000020004" pitchFamily="2" charset="-78"/>
+              </a:rPr>
+              <a:t>Program Structure</a:t>
+            </a:r>
+          </a:p>
+        </p:txBody>
+      </p:sp>
+      <p:cxnSp>
+        <p:nvCxnSpPr>
+          <p:cNvPr id="5" name="Straight Connector 4">
+            <a:extLst>
+              <a:ext uri="{FF2B5EF4-FFF2-40B4-BE49-F238E27FC236}">
+                <a16:creationId xmlns:a16="http://schemas.microsoft.com/office/drawing/2014/main" id="{69378C04-DAAC-8D88-FB2B-91885280695C}"/>
+              </a:ext>
+            </a:extLst>
+          </p:cNvPr>
+          <p:cNvCxnSpPr/>
+          <p:nvPr/>
+        </p:nvCxnSpPr>
+        <p:spPr>
+          <a:xfrm>
+            <a:off x="954504" y="1595704"/>
+            <a:ext cx="6535768" cy="0"/>
+          </a:xfrm>
+          <a:prstGeom prst="line">
+            <a:avLst/>
+          </a:prstGeom>
+          <a:ln w="38100">
+            <a:solidFill>
+              <a:schemeClr val="bg1">
+                <a:lumMod val="50000"/>
+                <a:lumOff val="50000"/>
+              </a:schemeClr>
+            </a:solidFill>
+          </a:ln>
+        </p:spPr>
+        <p:style>
+          <a:lnRef idx="2">
+            <a:schemeClr val="accent1"/>
+          </a:lnRef>
+          <a:fillRef idx="0">
+            <a:schemeClr val="accent1"/>
+          </a:fillRef>
+          <a:effectRef idx="1">
+            <a:schemeClr val="accent1"/>
+          </a:effectRef>
+          <a:fontRef idx="minor">
+            <a:schemeClr val="tx1"/>
+          </a:fontRef>
+        </p:style>
+      </p:cxnSp>
+      <p:sp>
+        <p:nvSpPr>
+          <p:cNvPr id="13" name="TextBox 12">
+            <a:extLst>
+              <a:ext uri="{FF2B5EF4-FFF2-40B4-BE49-F238E27FC236}">
+                <a16:creationId xmlns:a16="http://schemas.microsoft.com/office/drawing/2014/main" id="{D11ABF0A-9939-609B-862A-4DA08793701F}"/>
+              </a:ext>
+            </a:extLst>
+          </p:cNvPr>
+          <p:cNvSpPr txBox="1"/>
+          <p:nvPr/>
+        </p:nvSpPr>
+        <p:spPr>
+          <a:xfrm>
+            <a:off x="4821831" y="2105561"/>
+            <a:ext cx="907357" cy="2646878"/>
+          </a:xfrm>
+          <a:prstGeom prst="rect">
+            <a:avLst/>
+          </a:prstGeom>
+          <a:noFill/>
+        </p:spPr>
+        <p:txBody>
+          <a:bodyPr wrap="square">
+            <a:spAutoFit/>
+          </a:bodyPr>
+          <a:lstStyle/>
+          <a:p>
+            <a:r>
+              <a:rPr lang="en-US" sz="16600" dirty="0">
+                <a:latin typeface="Adelle Sans Devanagari" panose="02000503000000020004" pitchFamily="2" charset="-78"/>
+                <a:cs typeface="Adelle Sans Devanagari" panose="02000503000000020004" pitchFamily="2" charset="-78"/>
+              </a:rPr>
+              <a:t>}</a:t>
+            </a:r>
+          </a:p>
+        </p:txBody>
+      </p:sp>
+      <p:sp>
+        <p:nvSpPr>
+          <p:cNvPr id="15" name="Rectangle 14">
+            <a:extLst>
+              <a:ext uri="{FF2B5EF4-FFF2-40B4-BE49-F238E27FC236}">
+                <a16:creationId xmlns:a16="http://schemas.microsoft.com/office/drawing/2014/main" id="{AB6D1938-BA98-F70F-443D-2EDCF08C93DE}"/>
+              </a:ext>
+            </a:extLst>
+          </p:cNvPr>
+          <p:cNvSpPr/>
+          <p:nvPr/>
+        </p:nvSpPr>
+        <p:spPr>
+          <a:xfrm>
+            <a:off x="6534631" y="3001588"/>
+            <a:ext cx="2187616" cy="1125638"/>
+          </a:xfrm>
+          <a:prstGeom prst="rect">
+            <a:avLst/>
+          </a:prstGeom>
+          <a:solidFill>
+            <a:schemeClr val="bg1">
+              <a:lumMod val="65000"/>
+              <a:lumOff val="35000"/>
+              <a:alpha val="74118"/>
+            </a:schemeClr>
+          </a:solidFill>
+          <a:ln>
+            <a:solidFill>
+              <a:schemeClr val="tx1"/>
+            </a:solidFill>
+          </a:ln>
+        </p:spPr>
+        <p:style>
+          <a:lnRef idx="2">
+            <a:schemeClr val="accent1">
+              <a:shade val="15000"/>
+            </a:schemeClr>
+          </a:lnRef>
+          <a:fillRef idx="1">
+            <a:schemeClr val="accent1"/>
+          </a:fillRef>
+          <a:effectRef idx="0">
+            <a:schemeClr val="accent1"/>
+          </a:effectRef>
+          <a:fontRef idx="minor">
+            <a:schemeClr val="lt1"/>
+          </a:fontRef>
+        </p:style>
+        <p:txBody>
+          <a:bodyPr rtlCol="0" anchor="ctr"/>
+          <a:lstStyle/>
+          <a:p>
+            <a:pPr algn="ctr"/>
+            <a:r>
+              <a:rPr lang="en-GB" dirty="0"/>
+              <a:t>Frontend</a:t>
+            </a:r>
+          </a:p>
+        </p:txBody>
+      </p:sp>
+      <p:pic>
+        <p:nvPicPr>
+          <p:cNvPr id="3074" name="Picture 2" descr="React White Icons – Free Download SVG, PNG, GIF">
+            <a:extLst>
+              <a:ext uri="{FF2B5EF4-FFF2-40B4-BE49-F238E27FC236}">
+                <a16:creationId xmlns:a16="http://schemas.microsoft.com/office/drawing/2014/main" id="{8F59E60D-E5CF-BF25-026D-3AAC58D19187}"/>
+              </a:ext>
+            </a:extLst>
+          </p:cNvPr>
+          <p:cNvPicPr>
+            <a:picLocks noChangeAspect="1" noChangeArrowheads="1"/>
+          </p:cNvPicPr>
+          <p:nvPr/>
+        </p:nvPicPr>
+        <p:blipFill>
+          <a:blip r:embed="rId3">
+            <a:extLst>
+              <a:ext uri="{28A0092B-C50C-407E-A947-70E740481C1C}">
+                <a14:useLocalDpi xmlns:a14="http://schemas.microsoft.com/office/drawing/2010/main" val="0"/>
+              </a:ext>
+            </a:extLst>
+          </a:blip>
+          <a:srcRect/>
+          <a:stretch>
+            <a:fillRect/>
+          </a:stretch>
+        </p:blipFill>
+        <p:spPr bwMode="auto">
+          <a:xfrm>
+            <a:off x="3113462" y="2747555"/>
+            <a:ext cx="1633703" cy="1633703"/>
+          </a:xfrm>
+          <a:prstGeom prst="rect">
+            <a:avLst/>
+          </a:prstGeom>
+          <a:noFill/>
+          <a:extLst>
+            <a:ext uri="{909E8E84-426E-40DD-AFC4-6F175D3DCCD1}">
+              <a14:hiddenFill xmlns:a14="http://schemas.microsoft.com/office/drawing/2010/main">
+                <a:solidFill>
+                  <a:srgbClr val="FFFFFF"/>
+                </a:solidFill>
+              </a14:hiddenFill>
+            </a:ext>
+          </a:extLst>
+        </p:spPr>
+      </p:pic>
+    </p:spTree>
+    <p:extLst>
+      <p:ext uri="{BB962C8B-B14F-4D97-AF65-F5344CB8AC3E}">
+        <p14:creationId xmlns:p14="http://schemas.microsoft.com/office/powerpoint/2010/main" val="819617555"/>
+      </p:ext>
+    </p:extLst>
+  </p:cSld>
+  <p:clrMapOvr>
+    <a:masterClrMapping/>
+  </p:clrMapOvr>
+</p:sld>
+</file>
+
+<file path=ppt/slides/slide12.xml><?xml version="1.0" encoding="utf-8"?>
+<p:sld xmlns:a="http://schemas.openxmlformats.org/drawingml/2006/main" xmlns:r="http://schemas.openxmlformats.org/officeDocument/2006/relationships" xmlns:p="http://schemas.openxmlformats.org/presentationml/2006/main">
+  <p:cSld>
+    <p:spTree>
+      <p:nvGrpSpPr>
+        <p:cNvPr id="1" name=""/>
+        <p:cNvGrpSpPr/>
+        <p:nvPr/>
+      </p:nvGrpSpPr>
+      <p:grpSpPr>
+        <a:xfrm>
+          <a:off x="0" y="0"/>
+          <a:ext cx="0" cy="0"/>
+          <a:chOff x="0" y="0"/>
+          <a:chExt cx="0" cy="0"/>
+        </a:xfrm>
+      </p:grpSpPr>
+      <p:sp>
+        <p:nvSpPr>
+          <p:cNvPr id="4" name="TextBox 3">
+            <a:extLst>
+              <a:ext uri="{FF2B5EF4-FFF2-40B4-BE49-F238E27FC236}">
+                <a16:creationId xmlns:a16="http://schemas.microsoft.com/office/drawing/2014/main" id="{02A34B3E-0AD3-3222-A03A-7E62F9F87F4F}"/>
+              </a:ext>
+            </a:extLst>
+          </p:cNvPr>
+          <p:cNvSpPr txBox="1"/>
+          <p:nvPr/>
+        </p:nvSpPr>
+        <p:spPr>
+          <a:xfrm>
+            <a:off x="1004207" y="1012954"/>
+            <a:ext cx="10183586" cy="4832092"/>
+          </a:xfrm>
+          <a:prstGeom prst="rect">
+            <a:avLst/>
+          </a:prstGeom>
+          <a:noFill/>
+        </p:spPr>
+        <p:txBody>
+          <a:bodyPr wrap="square" rtlCol="0">
+            <a:spAutoFit/>
+          </a:bodyPr>
+          <a:lstStyle/>
+          <a:p>
+            <a:pPr marL="457200" indent="-457200">
+              <a:buFont typeface="Arial" panose="020B0604020202020204" pitchFamily="34" charset="0"/>
+              <a:buChar char="•"/>
+            </a:pPr>
+            <a:r>
+              <a:rPr lang="en-GB" sz="2800" dirty="0"/>
+              <a:t>With your </a:t>
+            </a:r>
+            <a:r>
+              <a:rPr lang="en-GB" sz="2800" dirty="0">
+                <a:solidFill>
+                  <a:srgbClr val="C5AC8F"/>
+                </a:solidFill>
+              </a:rPr>
+              <a:t>unwavering</a:t>
+            </a:r>
+            <a:r>
+              <a:rPr lang="en-GB" sz="2800" dirty="0"/>
+              <a:t> support we have the potential to make this </a:t>
+            </a:r>
+            <a:r>
+              <a:rPr lang="en-GB" sz="2800" dirty="0">
+                <a:solidFill>
+                  <a:srgbClr val="C5AC8F"/>
+                </a:solidFill>
+              </a:rPr>
+              <a:t>groundbreaking</a:t>
+            </a:r>
+            <a:r>
+              <a:rPr lang="en-GB" sz="2800" dirty="0"/>
+              <a:t> technology accessible to a </a:t>
+            </a:r>
+            <a:r>
+              <a:rPr lang="en-GB" sz="2800" dirty="0">
+                <a:solidFill>
+                  <a:srgbClr val="C5AC8F"/>
+                </a:solidFill>
+              </a:rPr>
+              <a:t>global audience</a:t>
+            </a:r>
+            <a:r>
+              <a:rPr lang="en-GB" sz="2800" dirty="0"/>
+              <a:t>. </a:t>
+            </a:r>
+          </a:p>
+          <a:p>
+            <a:pPr marL="457200" indent="-457200">
+              <a:buFont typeface="Arial" panose="020B0604020202020204" pitchFamily="34" charset="0"/>
+              <a:buChar char="•"/>
+            </a:pPr>
+            <a:r>
+              <a:rPr lang="en-GB" sz="2800" dirty="0"/>
+              <a:t>By leveraging </a:t>
+            </a:r>
+            <a:r>
+              <a:rPr lang="en-GB" sz="2800" dirty="0">
+                <a:solidFill>
+                  <a:srgbClr val="C5AC8F"/>
+                </a:solidFill>
+              </a:rPr>
+              <a:t>cutting-edge</a:t>
+            </a:r>
+            <a:r>
+              <a:rPr lang="en-GB" sz="2800" dirty="0"/>
+              <a:t> innovation and scaling our solutions, we can </a:t>
+            </a:r>
+            <a:r>
+              <a:rPr lang="en-GB" sz="2800" dirty="0">
+                <a:solidFill>
+                  <a:srgbClr val="C5AC8F"/>
+                </a:solidFill>
+              </a:rPr>
+              <a:t>empower </a:t>
+            </a:r>
+            <a:r>
+              <a:rPr lang="en-GB" sz="2800" dirty="0"/>
+              <a:t>individuals </a:t>
+            </a:r>
+            <a:r>
+              <a:rPr lang="en-GB" sz="2800" dirty="0">
+                <a:solidFill>
+                  <a:srgbClr val="C5AC8F"/>
+                </a:solidFill>
+              </a:rPr>
+              <a:t>worldwide</a:t>
+            </a:r>
+            <a:r>
+              <a:rPr lang="en-GB" sz="2800" dirty="0"/>
+              <a:t> to effortlessly access, understand, and manage their financial data. </a:t>
+            </a:r>
+          </a:p>
+          <a:p>
+            <a:pPr marL="457200" indent="-457200">
+              <a:buFont typeface="Arial" panose="020B0604020202020204" pitchFamily="34" charset="0"/>
+              <a:buChar char="•"/>
+            </a:pPr>
+            <a:r>
+              <a:rPr lang="en-GB" sz="2800" dirty="0"/>
+              <a:t>Together, we will </a:t>
+            </a:r>
+            <a:r>
+              <a:rPr lang="en-GB" sz="2800" dirty="0">
+                <a:solidFill>
+                  <a:srgbClr val="C5AC8F"/>
+                </a:solidFill>
+              </a:rPr>
+              <a:t>drive financial inclusion</a:t>
+            </a:r>
+            <a:r>
+              <a:rPr lang="en-GB" sz="2800" dirty="0"/>
+              <a:t>, enhance data transparency, and deliver an </a:t>
+            </a:r>
+            <a:r>
+              <a:rPr lang="en-GB" sz="2800" dirty="0">
+                <a:solidFill>
+                  <a:srgbClr val="C5AC8F"/>
+                </a:solidFill>
+              </a:rPr>
+              <a:t>intuitive, user-centric experience</a:t>
+            </a:r>
+            <a:r>
+              <a:rPr lang="en-GB" sz="2800" dirty="0"/>
+              <a:t> that transforms how people engage with their bank statements. </a:t>
+            </a:r>
+          </a:p>
+        </p:txBody>
+      </p:sp>
+    </p:spTree>
+    <p:extLst>
+      <p:ext uri="{BB962C8B-B14F-4D97-AF65-F5344CB8AC3E}">
+        <p14:creationId xmlns:p14="http://schemas.microsoft.com/office/powerpoint/2010/main" val="3798862976"/>
+      </p:ext>
+    </p:extLst>
+  </p:cSld>
+  <p:clrMapOvr>
+    <a:masterClrMapping/>
+  </p:clrMapOvr>
+</p:sld>
+</file>
+
+<file path=ppt/slides/slide13.xml><?xml version="1.0" encoding="utf-8"?>
+<p:sld xmlns:a="http://schemas.openxmlformats.org/drawingml/2006/main" xmlns:r="http://schemas.openxmlformats.org/officeDocument/2006/relationships" xmlns:p="http://schemas.openxmlformats.org/presentationml/2006/main">
+  <p:cSld>
+    <p:spTree>
+      <p:nvGrpSpPr>
+        <p:cNvPr id="1" name=""/>
+        <p:cNvGrpSpPr/>
+        <p:nvPr/>
+      </p:nvGrpSpPr>
+      <p:grpSpPr>
+        <a:xfrm>
+          <a:off x="0" y="0"/>
+          <a:ext cx="0" cy="0"/>
+          <a:chOff x="0" y="0"/>
+          <a:chExt cx="0" cy="0"/>
+        </a:xfrm>
+      </p:grpSpPr>
+      <p:sp>
+        <p:nvSpPr>
+          <p:cNvPr id="5" name="TextBox 4">
+            <a:extLst>
+              <a:ext uri="{FF2B5EF4-FFF2-40B4-BE49-F238E27FC236}">
+                <a16:creationId xmlns:a16="http://schemas.microsoft.com/office/drawing/2014/main" id="{51668639-580A-CB0C-57EE-9D8CCF0AB54C}"/>
+              </a:ext>
+            </a:extLst>
+          </p:cNvPr>
+          <p:cNvSpPr txBox="1"/>
+          <p:nvPr/>
+        </p:nvSpPr>
+        <p:spPr>
+          <a:xfrm>
+            <a:off x="779688" y="2551837"/>
+            <a:ext cx="9142640" cy="1754326"/>
+          </a:xfrm>
+          <a:prstGeom prst="rect">
+            <a:avLst/>
+          </a:prstGeom>
+          <a:noFill/>
+        </p:spPr>
+        <p:txBody>
+          <a:bodyPr wrap="square">
+            <a:spAutoFit/>
+          </a:bodyPr>
+          <a:lstStyle/>
+          <a:p>
+            <a:r>
+              <a:rPr lang="en-GB" sz="3600" dirty="0"/>
+              <a:t>Let's unlock a future where financial literacy and seamless accessibility are no longer barriers, but universal rights.</a:t>
+            </a:r>
+          </a:p>
+        </p:txBody>
+      </p:sp>
+    </p:spTree>
+    <p:extLst>
+      <p:ext uri="{BB962C8B-B14F-4D97-AF65-F5344CB8AC3E}">
+        <p14:creationId xmlns:p14="http://schemas.microsoft.com/office/powerpoint/2010/main" val="592054978"/>
+      </p:ext>
+    </p:extLst>
+  </p:cSld>
+  <p:clrMapOvr>
+    <a:masterClrMapping/>
+  </p:clrMapOvr>
+</p:sld>
+</file>
+
+<file path=ppt/slides/slide14.xml><?xml version="1.0" encoding="utf-8"?>
 <p:sld xmlns:a="http://schemas.openxmlformats.org/drawingml/2006/main" xmlns:r="http://schemas.openxmlformats.org/officeDocument/2006/relationships" xmlns:p="http://schemas.openxmlformats.org/presentationml/2006/main">
   <p:cSld>
     <p:spTree>
@@ -5418,13 +7004,13 @@
   <p:clrMapOvr>
     <a:masterClrMapping/>
   </p:clrMapOvr>
-  <mc:AlternateContent xmlns:mc="http://schemas.openxmlformats.org/markup-compatibility/2006">
-    <mc:Choice xmlns:p15="http://schemas.microsoft.com/office/powerpoint/2012/main" Requires="p15">
+  <mc:AlternateContent xmlns:mc="http://schemas.openxmlformats.org/markup-compatibility/2006" xmlns:p15="http://schemas.microsoft.com/office/powerpoint/2012/main">
+    <mc:Choice Requires="p15">
       <p:transition xmlns:p14="http://schemas.microsoft.com/office/powerpoint/2010/main" spd="slow" p14:dur="2000">
         <p15:prstTrans prst="crush"/>
       </p:transition>
     </mc:Choice>
-    <mc:Fallback>
+    <mc:Fallback xmlns="">
       <p:transition spd="slow">
         <p:fade/>
       </p:transition>
@@ -5623,6 +7209,221 @@
 </file>
 
 <file path=ppt/slides/slide4.xml><?xml version="1.0" encoding="utf-8"?>
+<p:sld xmlns:a="http://schemas.openxmlformats.org/drawingml/2006/main" xmlns:r="http://schemas.openxmlformats.org/officeDocument/2006/relationships" xmlns:p="http://schemas.openxmlformats.org/presentationml/2006/main">
+  <p:cSld>
+    <p:spTree>
+      <p:nvGrpSpPr>
+        <p:cNvPr id="1" name="">
+          <a:extLst>
+            <a:ext uri="{FF2B5EF4-FFF2-40B4-BE49-F238E27FC236}">
+              <a16:creationId xmlns:a16="http://schemas.microsoft.com/office/drawing/2014/main" id="{D8217F0B-E72F-F2A3-520E-C93B8E436FE1}"/>
+            </a:ext>
+          </a:extLst>
+        </p:cNvPr>
+        <p:cNvGrpSpPr/>
+        <p:nvPr/>
+      </p:nvGrpSpPr>
+      <p:grpSpPr>
+        <a:xfrm>
+          <a:off x="0" y="0"/>
+          <a:ext cx="0" cy="0"/>
+          <a:chOff x="0" y="0"/>
+          <a:chExt cx="0" cy="0"/>
+        </a:xfrm>
+      </p:grpSpPr>
+      <p:sp>
+        <p:nvSpPr>
+          <p:cNvPr id="4" name="TextBox 3">
+            <a:extLst>
+              <a:ext uri="{FF2B5EF4-FFF2-40B4-BE49-F238E27FC236}">
+                <a16:creationId xmlns:a16="http://schemas.microsoft.com/office/drawing/2014/main" id="{F05BE024-8DD9-B543-1405-F60475933378}"/>
+              </a:ext>
+            </a:extLst>
+          </p:cNvPr>
+          <p:cNvSpPr txBox="1"/>
+          <p:nvPr/>
+        </p:nvSpPr>
+        <p:spPr>
+          <a:xfrm>
+            <a:off x="3202515" y="2921168"/>
+            <a:ext cx="5684377" cy="1015663"/>
+          </a:xfrm>
+          <a:prstGeom prst="rect">
+            <a:avLst/>
+          </a:prstGeom>
+          <a:noFill/>
+        </p:spPr>
+        <p:txBody>
+          <a:bodyPr wrap="none" rtlCol="0">
+            <a:spAutoFit/>
+          </a:bodyPr>
+          <a:lstStyle/>
+          <a:p>
+            <a:r>
+              <a:rPr lang="en-US" sz="6000" dirty="0"/>
+              <a:t>           statements</a:t>
+            </a:r>
+          </a:p>
+        </p:txBody>
+      </p:sp>
+      <p:sp>
+        <p:nvSpPr>
+          <p:cNvPr id="2" name="TextBox 1">
+            <a:extLst>
+              <a:ext uri="{FF2B5EF4-FFF2-40B4-BE49-F238E27FC236}">
+                <a16:creationId xmlns:a16="http://schemas.microsoft.com/office/drawing/2014/main" id="{195FB4BA-CC92-77F3-CE69-20FCCDC19D35}"/>
+              </a:ext>
+            </a:extLst>
+          </p:cNvPr>
+          <p:cNvSpPr txBox="1"/>
+          <p:nvPr/>
+        </p:nvSpPr>
+        <p:spPr>
+          <a:xfrm>
+            <a:off x="3094938" y="2921167"/>
+            <a:ext cx="1858201" cy="1015663"/>
+          </a:xfrm>
+          <a:prstGeom prst="rect">
+            <a:avLst/>
+          </a:prstGeom>
+          <a:noFill/>
+        </p:spPr>
+        <p:txBody>
+          <a:bodyPr wrap="none" rtlCol="0">
+            <a:spAutoFit/>
+          </a:bodyPr>
+          <a:lstStyle/>
+          <a:p>
+            <a:r>
+              <a:rPr lang="en-US" sz="6000" dirty="0"/>
+              <a:t>Bank</a:t>
+            </a:r>
+          </a:p>
+        </p:txBody>
+      </p:sp>
+    </p:spTree>
+    <p:extLst>
+      <p:ext uri="{BB962C8B-B14F-4D97-AF65-F5344CB8AC3E}">
+        <p14:creationId xmlns:p14="http://schemas.microsoft.com/office/powerpoint/2010/main" val="641049344"/>
+      </p:ext>
+    </p:extLst>
+  </p:cSld>
+  <p:clrMapOvr>
+    <a:masterClrMapping/>
+  </p:clrMapOvr>
+</p:sld>
+</file>
+
+<file path=ppt/slides/slide5.xml><?xml version="1.0" encoding="utf-8"?>
+<p:sld xmlns:a="http://schemas.openxmlformats.org/drawingml/2006/main" xmlns:r="http://schemas.openxmlformats.org/officeDocument/2006/relationships" xmlns:p="http://schemas.openxmlformats.org/presentationml/2006/main">
+  <p:cSld>
+    <p:spTree>
+      <p:nvGrpSpPr>
+        <p:cNvPr id="1" name="">
+          <a:extLst>
+            <a:ext uri="{FF2B5EF4-FFF2-40B4-BE49-F238E27FC236}">
+              <a16:creationId xmlns:a16="http://schemas.microsoft.com/office/drawing/2014/main" id="{B1E149C7-8A4C-6878-03D1-97E4BB2E79A6}"/>
+            </a:ext>
+          </a:extLst>
+        </p:cNvPr>
+        <p:cNvGrpSpPr/>
+        <p:nvPr/>
+      </p:nvGrpSpPr>
+      <p:grpSpPr>
+        <a:xfrm>
+          <a:off x="0" y="0"/>
+          <a:ext cx="0" cy="0"/>
+          <a:chOff x="0" y="0"/>
+          <a:chExt cx="0" cy="0"/>
+        </a:xfrm>
+      </p:grpSpPr>
+      <p:sp>
+        <p:nvSpPr>
+          <p:cNvPr id="4" name="TextBox 3">
+            <a:extLst>
+              <a:ext uri="{FF2B5EF4-FFF2-40B4-BE49-F238E27FC236}">
+                <a16:creationId xmlns:a16="http://schemas.microsoft.com/office/drawing/2014/main" id="{39D1AE27-90BF-802E-EE8C-5157CF774172}"/>
+              </a:ext>
+            </a:extLst>
+          </p:cNvPr>
+          <p:cNvSpPr txBox="1"/>
+          <p:nvPr/>
+        </p:nvSpPr>
+        <p:spPr>
+          <a:xfrm>
+            <a:off x="3202515" y="2921168"/>
+            <a:ext cx="5684377" cy="1015663"/>
+          </a:xfrm>
+          <a:prstGeom prst="rect">
+            <a:avLst/>
+          </a:prstGeom>
+          <a:noFill/>
+        </p:spPr>
+        <p:txBody>
+          <a:bodyPr wrap="none" rtlCol="0">
+            <a:spAutoFit/>
+          </a:bodyPr>
+          <a:lstStyle/>
+          <a:p>
+            <a:r>
+              <a:rPr lang="en-US" sz="6000" dirty="0"/>
+              <a:t>           statements</a:t>
+            </a:r>
+          </a:p>
+        </p:txBody>
+      </p:sp>
+      <p:sp>
+        <p:nvSpPr>
+          <p:cNvPr id="2" name="TextBox 1">
+            <a:extLst>
+              <a:ext uri="{FF2B5EF4-FFF2-40B4-BE49-F238E27FC236}">
+                <a16:creationId xmlns:a16="http://schemas.microsoft.com/office/drawing/2014/main" id="{B750F804-A1BE-13CA-2E42-35B29A20A021}"/>
+              </a:ext>
+            </a:extLst>
+          </p:cNvPr>
+          <p:cNvSpPr txBox="1"/>
+          <p:nvPr/>
+        </p:nvSpPr>
+        <p:spPr>
+          <a:xfrm>
+            <a:off x="3094938" y="2921167"/>
+            <a:ext cx="1752403" cy="1015663"/>
+          </a:xfrm>
+          <a:prstGeom prst="rect">
+            <a:avLst/>
+          </a:prstGeom>
+          <a:noFill/>
+        </p:spPr>
+        <p:txBody>
+          <a:bodyPr wrap="none" rtlCol="0">
+            <a:spAutoFit/>
+          </a:bodyPr>
+          <a:lstStyle/>
+          <a:p>
+            <a:r>
+              <a:rPr lang="en-US" sz="6000" dirty="0"/>
+              <a:t>Buzz</a:t>
+            </a:r>
+          </a:p>
+        </p:txBody>
+      </p:sp>
+    </p:spTree>
+    <p:extLst>
+      <p:ext uri="{BB962C8B-B14F-4D97-AF65-F5344CB8AC3E}">
+        <p14:creationId xmlns:p14="http://schemas.microsoft.com/office/powerpoint/2010/main" val="738200683"/>
+      </p:ext>
+    </p:extLst>
+  </p:cSld>
+  <p:clrMapOvr>
+    <a:masterClrMapping/>
+  </p:clrMapOvr>
+  <p:transition spd="slow">
+    <p:wipe/>
+  </p:transition>
+</p:sld>
+</file>
+
+<file path=ppt/slides/slide6.xml><?xml version="1.0" encoding="utf-8"?>
 <p:sld xmlns:a="http://schemas.openxmlformats.org/drawingml/2006/main" xmlns:r="http://schemas.openxmlformats.org/officeDocument/2006/relationships" xmlns:p="http://schemas.openxmlformats.org/presentationml/2006/main">
   <p:cSld>
     <p:spTree>
@@ -5798,22 +7599,10 @@
   <p:clrMapOvr>
     <a:masterClrMapping/>
   </p:clrMapOvr>
-  <mc:AlternateContent xmlns:mc="http://schemas.openxmlformats.org/markup-compatibility/2006">
-    <mc:Choice xmlns:p15="http://schemas.microsoft.com/office/powerpoint/2012/main" Requires="p15">
-      <p:transition xmlns:p14="http://schemas.microsoft.com/office/powerpoint/2010/main" spd="slow" p14:dur="6000">
-        <p15:prstTrans prst="curtains"/>
-      </p:transition>
-    </mc:Choice>
-    <mc:Fallback>
-      <p:transition spd="slow">
-        <p:fade/>
-      </p:transition>
-    </mc:Fallback>
-  </mc:AlternateContent>
 </p:sld>
 </file>
 
-<file path=ppt/slides/slide5.xml><?xml version="1.0" encoding="utf-8"?>
+<file path=ppt/slides/slide7.xml><?xml version="1.0" encoding="utf-8"?>
 <p:sld xmlns:a="http://schemas.openxmlformats.org/drawingml/2006/main" xmlns:r="http://schemas.openxmlformats.org/officeDocument/2006/relationships" xmlns:p="http://schemas.openxmlformats.org/presentationml/2006/main">
   <p:cSld>
     <p:spTree>
@@ -6107,13 +7896,13 @@
   <p:clrMapOvr>
     <a:masterClrMapping/>
   </p:clrMapOvr>
-  <mc:AlternateContent xmlns:mc="http://schemas.openxmlformats.org/markup-compatibility/2006">
-    <mc:Choice xmlns:p15="http://schemas.microsoft.com/office/powerpoint/2012/main" Requires="p15">
+  <mc:AlternateContent xmlns:mc="http://schemas.openxmlformats.org/markup-compatibility/2006" xmlns:p15="http://schemas.microsoft.com/office/powerpoint/2012/main">
+    <mc:Choice Requires="p15">
       <p:transition xmlns:p14="http://schemas.microsoft.com/office/powerpoint/2010/main" spd="slow" p14:dur="3250">
         <p15:prstTrans prst="origami"/>
       </p:transition>
     </mc:Choice>
-    <mc:Fallback>
+    <mc:Fallback xmlns="">
       <p:transition spd="slow">
         <p:fade/>
       </p:transition>
@@ -6308,183 +8097,6 @@
 </p:sld>
 </file>
 
-<file path=ppt/slides/slide6.xml><?xml version="1.0" encoding="utf-8"?>
-<p:sld xmlns:a="http://schemas.openxmlformats.org/drawingml/2006/main" xmlns:r="http://schemas.openxmlformats.org/officeDocument/2006/relationships" xmlns:p="http://schemas.openxmlformats.org/presentationml/2006/main">
-  <p:cSld>
-    <p:spTree>
-      <p:nvGrpSpPr>
-        <p:cNvPr id="1" name=""/>
-        <p:cNvGrpSpPr/>
-        <p:nvPr/>
-      </p:nvGrpSpPr>
-      <p:grpSpPr>
-        <a:xfrm>
-          <a:off x="0" y="0"/>
-          <a:ext cx="0" cy="0"/>
-          <a:chOff x="0" y="0"/>
-          <a:chExt cx="0" cy="0"/>
-        </a:xfrm>
-      </p:grpSpPr>
-      <p:sp>
-        <p:nvSpPr>
-          <p:cNvPr id="4" name="TextBox 3">
-            <a:extLst>
-              <a:ext uri="{FF2B5EF4-FFF2-40B4-BE49-F238E27FC236}">
-                <a16:creationId xmlns:a16="http://schemas.microsoft.com/office/drawing/2014/main" id="{042C01EC-1488-4A97-711F-B3FC273E0A64}"/>
-              </a:ext>
-            </a:extLst>
-          </p:cNvPr>
-          <p:cNvSpPr txBox="1"/>
-          <p:nvPr/>
-        </p:nvSpPr>
-        <p:spPr>
-          <a:xfrm>
-            <a:off x="4887175" y="2921168"/>
-            <a:ext cx="2417650" cy="1015663"/>
-          </a:xfrm>
-          <a:prstGeom prst="rect">
-            <a:avLst/>
-          </a:prstGeom>
-          <a:noFill/>
-        </p:spPr>
-        <p:txBody>
-          <a:bodyPr wrap="none" rtlCol="0">
-            <a:spAutoFit/>
-          </a:bodyPr>
-          <a:lstStyle/>
-          <a:p>
-            <a:r>
-              <a:rPr lang="en-US" sz="6000" dirty="0"/>
-              <a:t>Demo:</a:t>
-            </a:r>
-          </a:p>
-        </p:txBody>
-      </p:sp>
-    </p:spTree>
-    <p:extLst>
-      <p:ext uri="{BB962C8B-B14F-4D97-AF65-F5344CB8AC3E}">
-        <p14:creationId xmlns:p14="http://schemas.microsoft.com/office/powerpoint/2010/main" val="648664124"/>
-      </p:ext>
-    </p:extLst>
-  </p:cSld>
-  <p:clrMapOvr>
-    <a:masterClrMapping/>
-  </p:clrMapOvr>
-</p:sld>
-</file>
-
-<file path=ppt/slides/slide7.xml><?xml version="1.0" encoding="utf-8"?>
-<p:sld xmlns:a="http://schemas.openxmlformats.org/drawingml/2006/main" xmlns:r="http://schemas.openxmlformats.org/officeDocument/2006/relationships" xmlns:p="http://schemas.openxmlformats.org/presentationml/2006/main">
-  <p:cSld>
-    <p:spTree>
-      <p:nvGrpSpPr>
-        <p:cNvPr id="1" name=""/>
-        <p:cNvGrpSpPr/>
-        <p:nvPr/>
-      </p:nvGrpSpPr>
-      <p:grpSpPr>
-        <a:xfrm>
-          <a:off x="0" y="0"/>
-          <a:ext cx="0" cy="0"/>
-          <a:chOff x="0" y="0"/>
-          <a:chExt cx="0" cy="0"/>
-        </a:xfrm>
-      </p:grpSpPr>
-      <p:sp>
-        <p:nvSpPr>
-          <p:cNvPr id="4" name="TextBox 3">
-            <a:extLst>
-              <a:ext uri="{FF2B5EF4-FFF2-40B4-BE49-F238E27FC236}">
-                <a16:creationId xmlns:a16="http://schemas.microsoft.com/office/drawing/2014/main" id="{DD3A30AE-A605-7D42-8E67-52D462366C57}"/>
-              </a:ext>
-            </a:extLst>
-          </p:cNvPr>
-          <p:cNvSpPr txBox="1"/>
-          <p:nvPr/>
-        </p:nvSpPr>
-        <p:spPr>
-          <a:xfrm>
-            <a:off x="954504" y="730267"/>
-            <a:ext cx="5951621" cy="646331"/>
-          </a:xfrm>
-          <a:prstGeom prst="rect">
-            <a:avLst/>
-          </a:prstGeom>
-          <a:noFill/>
-        </p:spPr>
-        <p:txBody>
-          <a:bodyPr wrap="square">
-            <a:spAutoFit/>
-          </a:bodyPr>
-          <a:lstStyle/>
-          <a:p>
-            <a:r>
-              <a:rPr lang="en-US" sz="3600" dirty="0">
-                <a:latin typeface="Adelle Sans Devanagari" panose="02000503000000020004" pitchFamily="2" charset="-78"/>
-                <a:cs typeface="Adelle Sans Devanagari" panose="02000503000000020004" pitchFamily="2" charset="-78"/>
-              </a:rPr>
-              <a:t>Program Structure</a:t>
-            </a:r>
-          </a:p>
-        </p:txBody>
-      </p:sp>
-      <p:cxnSp>
-        <p:nvCxnSpPr>
-          <p:cNvPr id="5" name="Straight Connector 4">
-            <a:extLst>
-              <a:ext uri="{FF2B5EF4-FFF2-40B4-BE49-F238E27FC236}">
-                <a16:creationId xmlns:a16="http://schemas.microsoft.com/office/drawing/2014/main" id="{1595CBE4-2488-A34C-5C08-439530E0A84E}"/>
-              </a:ext>
-            </a:extLst>
-          </p:cNvPr>
-          <p:cNvCxnSpPr/>
-          <p:nvPr/>
-        </p:nvCxnSpPr>
-        <p:spPr>
-          <a:xfrm>
-            <a:off x="954504" y="1595704"/>
-            <a:ext cx="6535768" cy="0"/>
-          </a:xfrm>
-          <a:prstGeom prst="line">
-            <a:avLst/>
-          </a:prstGeom>
-          <a:ln w="76200">
-            <a:solidFill>
-              <a:schemeClr val="bg1">
-                <a:lumMod val="50000"/>
-                <a:lumOff val="50000"/>
-              </a:schemeClr>
-            </a:solidFill>
-          </a:ln>
-        </p:spPr>
-        <p:style>
-          <a:lnRef idx="2">
-            <a:schemeClr val="accent1"/>
-          </a:lnRef>
-          <a:fillRef idx="0">
-            <a:schemeClr val="accent1"/>
-          </a:fillRef>
-          <a:effectRef idx="1">
-            <a:schemeClr val="accent1"/>
-          </a:effectRef>
-          <a:fontRef idx="minor">
-            <a:schemeClr val="tx1"/>
-          </a:fontRef>
-        </p:style>
-      </p:cxnSp>
-    </p:spTree>
-    <p:extLst>
-      <p:ext uri="{BB962C8B-B14F-4D97-AF65-F5344CB8AC3E}">
-        <p14:creationId xmlns:p14="http://schemas.microsoft.com/office/powerpoint/2010/main" val="2676260974"/>
-      </p:ext>
-    </p:extLst>
-  </p:cSld>
-  <p:clrMapOvr>
-    <a:masterClrMapping/>
-  </p:clrMapOvr>
-</p:sld>
-</file>
-
 <file path=ppt/slides/slide8.xml><?xml version="1.0" encoding="utf-8"?>
 <p:sld xmlns:a="http://schemas.openxmlformats.org/drawingml/2006/main" xmlns:r="http://schemas.openxmlformats.org/officeDocument/2006/relationships" xmlns:p="http://schemas.openxmlformats.org/presentationml/2006/main">
   <p:cSld>
@@ -6507,7 +8119,7 @@
           <p:cNvPr id="4" name="TextBox 3">
             <a:extLst>
               <a:ext uri="{FF2B5EF4-FFF2-40B4-BE49-F238E27FC236}">
-                <a16:creationId xmlns:a16="http://schemas.microsoft.com/office/drawing/2014/main" id="{02A34B3E-0AD3-3222-A03A-7E62F9F87F4F}"/>
+                <a16:creationId xmlns:a16="http://schemas.microsoft.com/office/drawing/2014/main" id="{042C01EC-1488-4A97-711F-B3FC273E0A64}"/>
               </a:ext>
             </a:extLst>
           </p:cNvPr>
@@ -6516,8 +8128,8 @@
         </p:nvSpPr>
         <p:spPr>
           <a:xfrm>
-            <a:off x="1004207" y="1012954"/>
-            <a:ext cx="10183586" cy="4832092"/>
+            <a:off x="4887175" y="2921168"/>
+            <a:ext cx="2417650" cy="1015663"/>
           </a:xfrm>
           <a:prstGeom prst="rect">
             <a:avLst/>
@@ -6525,134 +8137,14 @@
           <a:noFill/>
         </p:spPr>
         <p:txBody>
-          <a:bodyPr wrap="square" rtlCol="0">
+          <a:bodyPr wrap="none" rtlCol="0">
             <a:spAutoFit/>
           </a:bodyPr>
           <a:lstStyle/>
           <a:p>
-            <a:pPr marL="457200" indent="-457200">
-              <a:buFont typeface="Arial" panose="020B0604020202020204" pitchFamily="34" charset="0"/>
-              <a:buChar char="•"/>
-            </a:pPr>
-            <a:r>
-              <a:rPr lang="en-GB" sz="2800" dirty="0"/>
-              <a:t>With your </a:t>
-            </a:r>
-            <a:r>
-              <a:rPr lang="en-GB" sz="2800" dirty="0">
-                <a:solidFill>
-                  <a:srgbClr val="C5AC8F"/>
-                </a:solidFill>
-              </a:rPr>
-              <a:t>unwavering</a:t>
-            </a:r>
-            <a:r>
-              <a:rPr lang="en-GB" sz="2800" dirty="0"/>
-              <a:t> support we have the potential to make this </a:t>
-            </a:r>
-            <a:r>
-              <a:rPr lang="en-GB" sz="2800" dirty="0">
-                <a:solidFill>
-                  <a:srgbClr val="C5AC8F"/>
-                </a:solidFill>
-              </a:rPr>
-              <a:t>groundbreaking</a:t>
-            </a:r>
-            <a:r>
-              <a:rPr lang="en-GB" sz="2800" dirty="0"/>
-              <a:t> technology accessible to a </a:t>
-            </a:r>
-            <a:r>
-              <a:rPr lang="en-GB" sz="2800" dirty="0">
-                <a:solidFill>
-                  <a:srgbClr val="C5AC8F"/>
-                </a:solidFill>
-              </a:rPr>
-              <a:t>global audience</a:t>
-            </a:r>
-            <a:r>
-              <a:rPr lang="en-GB" sz="2800" dirty="0"/>
-              <a:t>. </a:t>
-            </a:r>
-          </a:p>
-          <a:p>
-            <a:pPr marL="457200" indent="-457200">
-              <a:buFont typeface="Arial" panose="020B0604020202020204" pitchFamily="34" charset="0"/>
-              <a:buChar char="•"/>
-            </a:pPr>
-            <a:r>
-              <a:rPr lang="en-GB" sz="2800" dirty="0"/>
-              <a:t>By leveraging </a:t>
-            </a:r>
-            <a:r>
-              <a:rPr lang="en-GB" sz="2800" dirty="0">
-                <a:solidFill>
-                  <a:srgbClr val="C5AC8F"/>
-                </a:solidFill>
-              </a:rPr>
-              <a:t>cutting-edge</a:t>
-            </a:r>
-            <a:r>
-              <a:rPr lang="en-GB" sz="2800" dirty="0"/>
-              <a:t> innovation and scaling our solutions, we can </a:t>
-            </a:r>
-            <a:r>
-              <a:rPr lang="en-GB" sz="2800" dirty="0">
-                <a:solidFill>
-                  <a:srgbClr val="C5AC8F"/>
-                </a:solidFill>
-              </a:rPr>
-              <a:t>empower </a:t>
-            </a:r>
-            <a:r>
-              <a:rPr lang="en-GB" sz="2800" dirty="0"/>
-              <a:t>individuals </a:t>
-            </a:r>
-            <a:r>
-              <a:rPr lang="en-GB" sz="2800" dirty="0">
-                <a:solidFill>
-                  <a:srgbClr val="C5AC8F"/>
-                </a:solidFill>
-              </a:rPr>
-              <a:t>worldwide</a:t>
-            </a:r>
-            <a:r>
-              <a:rPr lang="en-GB" sz="2800" dirty="0"/>
-              <a:t> to effortlessly access, understand, and manage their financial data. </a:t>
-            </a:r>
-          </a:p>
-          <a:p>
-            <a:pPr marL="457200" indent="-457200">
-              <a:buFont typeface="Arial" panose="020B0604020202020204" pitchFamily="34" charset="0"/>
-              <a:buChar char="•"/>
-            </a:pPr>
-            <a:r>
-              <a:rPr lang="en-GB" sz="2800" dirty="0"/>
-              <a:t>Together, we will </a:t>
-            </a:r>
-            <a:r>
-              <a:rPr lang="en-GB" sz="2800" dirty="0">
-                <a:solidFill>
-                  <a:srgbClr val="C5AC8F"/>
-                </a:solidFill>
-              </a:rPr>
-              <a:t>drive financial inclusion</a:t>
-            </a:r>
-            <a:r>
-              <a:rPr lang="en-GB" sz="2800" dirty="0"/>
-              <a:t>, enhance data transparency, and deliver an </a:t>
-            </a:r>
-            <a:r>
-              <a:rPr lang="en-GB" sz="2800" dirty="0">
-                <a:solidFill>
-                  <a:srgbClr val="C5AC8F"/>
-                </a:solidFill>
-              </a:rPr>
-              <a:t>intuitive, user-centric experience</a:t>
-            </a:r>
-            <a:r>
-              <a:rPr lang="en-GB" sz="2800" dirty="0"/>
-              <a:t> that transforms how people engage with their bank statements. </a:t>
+            <a:r>
+              <a:rPr lang="en-US" sz="6000" dirty="0"/>
+              <a:t>Demo:</a:t>
             </a:r>
           </a:p>
         </p:txBody>
@@ -6660,7 +8152,7 @@
     </p:spTree>
     <p:extLst>
       <p:ext uri="{BB962C8B-B14F-4D97-AF65-F5344CB8AC3E}">
-        <p14:creationId xmlns:p14="http://schemas.microsoft.com/office/powerpoint/2010/main" val="3798862976"/>
+        <p14:creationId xmlns:p14="http://schemas.microsoft.com/office/powerpoint/2010/main" val="648664124"/>
       </p:ext>
     </p:extLst>
   </p:cSld>
@@ -6689,10 +8181,10 @@
       </p:grpSpPr>
       <p:sp>
         <p:nvSpPr>
-          <p:cNvPr id="5" name="TextBox 4">
+          <p:cNvPr id="2" name="TextBox 1">
             <a:extLst>
               <a:ext uri="{FF2B5EF4-FFF2-40B4-BE49-F238E27FC236}">
-                <a16:creationId xmlns:a16="http://schemas.microsoft.com/office/drawing/2014/main" id="{51668639-580A-CB0C-57EE-9D8CCF0AB54C}"/>
+                <a16:creationId xmlns:a16="http://schemas.microsoft.com/office/drawing/2014/main" id="{C96E2806-500C-A466-2A6E-281007CA2F5F}"/>
               </a:ext>
             </a:extLst>
           </p:cNvPr>
@@ -6701,8 +8193,8 @@
         </p:nvSpPr>
         <p:spPr>
           <a:xfrm>
-            <a:off x="779688" y="2551837"/>
-            <a:ext cx="9142640" cy="1754326"/>
+            <a:off x="1377386" y="1988097"/>
+            <a:ext cx="3953162" cy="2246769"/>
           </a:xfrm>
           <a:prstGeom prst="rect">
             <a:avLst/>
@@ -6716,16 +8208,503 @@
           <a:lstStyle/>
           <a:p>
             <a:r>
-              <a:rPr lang="en-GB" sz="3600" dirty="0"/>
-              <a:t>Let's unlock a future where financial literacy and seamless accessibility are no longer barriers, but universal rights.</a:t>
-            </a:r>
-          </a:p>
-        </p:txBody>
-      </p:sp>
+              <a:rPr lang="en-GB" sz="2000" dirty="0"/>
+              <a:t>Buzz Statements</a:t>
+            </a:r>
+          </a:p>
+          <a:p>
+            <a:pPr marL="342900" indent="-342900">
+              <a:buFontTx/>
+              <a:buChar char="-"/>
+            </a:pPr>
+            <a:endParaRPr lang="en-GB" sz="2000" dirty="0"/>
+          </a:p>
+          <a:p>
+            <a:pPr marL="342900" indent="-342900">
+              <a:buFontTx/>
+              <a:buChar char="-"/>
+            </a:pPr>
+            <a:endParaRPr lang="en-GB" sz="2000" dirty="0"/>
+          </a:p>
+          <a:p>
+            <a:pPr marL="342900" indent="-342900">
+              <a:buFontTx/>
+              <a:buChar char="-"/>
+            </a:pPr>
+            <a:endParaRPr lang="en-GB" sz="2000" dirty="0"/>
+          </a:p>
+          <a:p>
+            <a:pPr marL="342900" indent="-342900">
+              <a:buFontTx/>
+              <a:buChar char="-"/>
+            </a:pPr>
+            <a:endParaRPr lang="en-GB" sz="2000" dirty="0"/>
+          </a:p>
+          <a:p>
+            <a:pPr marL="342900" indent="-342900">
+              <a:buFontTx/>
+              <a:buChar char="-"/>
+            </a:pPr>
+            <a:endParaRPr lang="en-GB" sz="2000" dirty="0"/>
+          </a:p>
+          <a:p>
+            <a:r>
+              <a:rPr lang="en-GB" sz="2000" dirty="0"/>
+              <a:t>TTS</a:t>
+            </a:r>
+          </a:p>
+        </p:txBody>
+      </p:sp>
+      <p:sp>
+        <p:nvSpPr>
+          <p:cNvPr id="4" name="TextBox 3">
+            <a:extLst>
+              <a:ext uri="{FF2B5EF4-FFF2-40B4-BE49-F238E27FC236}">
+                <a16:creationId xmlns:a16="http://schemas.microsoft.com/office/drawing/2014/main" id="{DD3A30AE-A605-7D42-8E67-52D462366C57}"/>
+              </a:ext>
+            </a:extLst>
+          </p:cNvPr>
+          <p:cNvSpPr txBox="1"/>
+          <p:nvPr/>
+        </p:nvSpPr>
+        <p:spPr>
+          <a:xfrm>
+            <a:off x="954504" y="730267"/>
+            <a:ext cx="5951621" cy="646331"/>
+          </a:xfrm>
+          <a:prstGeom prst="rect">
+            <a:avLst/>
+          </a:prstGeom>
+          <a:noFill/>
+        </p:spPr>
+        <p:txBody>
+          <a:bodyPr wrap="square">
+            <a:spAutoFit/>
+          </a:bodyPr>
+          <a:lstStyle/>
+          <a:p>
+            <a:r>
+              <a:rPr lang="en-US" sz="3600" dirty="0">
+                <a:latin typeface="Adelle Sans Devanagari" panose="02000503000000020004" pitchFamily="2" charset="-78"/>
+                <a:cs typeface="Adelle Sans Devanagari" panose="02000503000000020004" pitchFamily="2" charset="-78"/>
+              </a:rPr>
+              <a:t>Program Structure</a:t>
+            </a:r>
+          </a:p>
+        </p:txBody>
+      </p:sp>
+      <p:cxnSp>
+        <p:nvCxnSpPr>
+          <p:cNvPr id="5" name="Straight Connector 4">
+            <a:extLst>
+              <a:ext uri="{FF2B5EF4-FFF2-40B4-BE49-F238E27FC236}">
+                <a16:creationId xmlns:a16="http://schemas.microsoft.com/office/drawing/2014/main" id="{1595CBE4-2488-A34C-5C08-439530E0A84E}"/>
+              </a:ext>
+            </a:extLst>
+          </p:cNvPr>
+          <p:cNvCxnSpPr/>
+          <p:nvPr/>
+        </p:nvCxnSpPr>
+        <p:spPr>
+          <a:xfrm>
+            <a:off x="954504" y="1595704"/>
+            <a:ext cx="6535768" cy="0"/>
+          </a:xfrm>
+          <a:prstGeom prst="line">
+            <a:avLst/>
+          </a:prstGeom>
+          <a:ln w="38100">
+            <a:solidFill>
+              <a:schemeClr val="bg1">
+                <a:lumMod val="50000"/>
+                <a:lumOff val="50000"/>
+              </a:schemeClr>
+            </a:solidFill>
+          </a:ln>
+        </p:spPr>
+        <p:style>
+          <a:lnRef idx="2">
+            <a:schemeClr val="accent1"/>
+          </a:lnRef>
+          <a:fillRef idx="0">
+            <a:schemeClr val="accent1"/>
+          </a:fillRef>
+          <a:effectRef idx="1">
+            <a:schemeClr val="accent1"/>
+          </a:effectRef>
+          <a:fontRef idx="minor">
+            <a:schemeClr val="tx1"/>
+          </a:fontRef>
+        </p:style>
+      </p:cxnSp>
+      <p:grpSp>
+        <p:nvGrpSpPr>
+          <p:cNvPr id="12" name="Group 11">
+            <a:extLst>
+              <a:ext uri="{FF2B5EF4-FFF2-40B4-BE49-F238E27FC236}">
+                <a16:creationId xmlns:a16="http://schemas.microsoft.com/office/drawing/2014/main" id="{2BC77B5E-A411-8E48-AD7F-9F41F0AF915D}"/>
+              </a:ext>
+            </a:extLst>
+          </p:cNvPr>
+          <p:cNvGrpSpPr/>
+          <p:nvPr/>
+        </p:nvGrpSpPr>
+        <p:grpSpPr>
+          <a:xfrm>
+            <a:off x="1377386" y="2479860"/>
+            <a:ext cx="2187616" cy="1125638"/>
+            <a:chOff x="3565002" y="1916848"/>
+            <a:chExt cx="2187616" cy="1125638"/>
+          </a:xfrm>
+        </p:grpSpPr>
+        <p:sp>
+          <p:nvSpPr>
+            <p:cNvPr id="3" name="Rectangle 2">
+              <a:extLst>
+                <a:ext uri="{FF2B5EF4-FFF2-40B4-BE49-F238E27FC236}">
+                  <a16:creationId xmlns:a16="http://schemas.microsoft.com/office/drawing/2014/main" id="{49D0646C-A08C-1696-7D42-2D850E310292}"/>
+                </a:ext>
+              </a:extLst>
+            </p:cNvPr>
+            <p:cNvSpPr/>
+            <p:nvPr/>
+          </p:nvSpPr>
+          <p:spPr>
+            <a:xfrm>
+              <a:off x="3565002" y="1916848"/>
+              <a:ext cx="2187616" cy="1125638"/>
+            </a:xfrm>
+            <a:prstGeom prst="rect">
+              <a:avLst/>
+            </a:prstGeom>
+            <a:solidFill>
+              <a:schemeClr val="bg1">
+                <a:lumMod val="65000"/>
+                <a:lumOff val="35000"/>
+                <a:alpha val="74118"/>
+              </a:schemeClr>
+            </a:solidFill>
+            <a:ln>
+              <a:solidFill>
+                <a:schemeClr val="tx1"/>
+              </a:solidFill>
+            </a:ln>
+          </p:spPr>
+          <p:style>
+            <a:lnRef idx="2">
+              <a:schemeClr val="accent1">
+                <a:shade val="15000"/>
+              </a:schemeClr>
+            </a:lnRef>
+            <a:fillRef idx="1">
+              <a:schemeClr val="accent1"/>
+            </a:fillRef>
+            <a:effectRef idx="0">
+              <a:schemeClr val="accent1"/>
+            </a:effectRef>
+            <a:fontRef idx="minor">
+              <a:schemeClr val="lt1"/>
+            </a:fontRef>
+          </p:style>
+          <p:txBody>
+            <a:bodyPr rtlCol="0" anchor="ctr"/>
+            <a:lstStyle/>
+            <a:p>
+              <a:pPr algn="ctr"/>
+              <a:endParaRPr lang="en-GB" dirty="0"/>
+            </a:p>
+          </p:txBody>
+        </p:sp>
+        <p:pic>
+          <p:nvPicPr>
+            <p:cNvPr id="1026" name="Picture 2" descr="Openai White Icons – Free Download SVG, PNG, GIF">
+              <a:extLst>
+                <a:ext uri="{FF2B5EF4-FFF2-40B4-BE49-F238E27FC236}">
+                  <a16:creationId xmlns:a16="http://schemas.microsoft.com/office/drawing/2014/main" id="{4AF69DBB-30A2-66E1-6B58-7967EFB2F1B1}"/>
+                </a:ext>
+              </a:extLst>
+            </p:cNvPr>
+            <p:cNvPicPr>
+              <a:picLocks noChangeAspect="1" noChangeArrowheads="1"/>
+            </p:cNvPicPr>
+            <p:nvPr/>
+          </p:nvPicPr>
+          <p:blipFill>
+            <a:blip r:embed="rId3">
+              <a:extLst>
+                <a:ext uri="{28A0092B-C50C-407E-A947-70E740481C1C}">
+                  <a14:useLocalDpi xmlns:a14="http://schemas.microsoft.com/office/drawing/2010/main" val="0"/>
+                </a:ext>
+              </a:extLst>
+            </a:blip>
+            <a:srcRect/>
+            <a:stretch>
+              <a:fillRect/>
+            </a:stretch>
+          </p:blipFill>
+          <p:spPr bwMode="auto">
+            <a:xfrm>
+              <a:off x="4191482" y="2012339"/>
+              <a:ext cx="934656" cy="934656"/>
+            </a:xfrm>
+            <a:prstGeom prst="rect">
+              <a:avLst/>
+            </a:prstGeom>
+            <a:noFill/>
+            <a:extLst>
+              <a:ext uri="{909E8E84-426E-40DD-AFC4-6F175D3DCCD1}">
+                <a14:hiddenFill xmlns:a14="http://schemas.microsoft.com/office/drawing/2010/main">
+                  <a:solidFill>
+                    <a:srgbClr val="FFFFFF"/>
+                  </a:solidFill>
+                </a14:hiddenFill>
+              </a:ext>
+            </a:extLst>
+          </p:spPr>
+        </p:pic>
+      </p:grpSp>
+      <p:grpSp>
+        <p:nvGrpSpPr>
+          <p:cNvPr id="11" name="Group 10">
+            <a:extLst>
+              <a:ext uri="{FF2B5EF4-FFF2-40B4-BE49-F238E27FC236}">
+                <a16:creationId xmlns:a16="http://schemas.microsoft.com/office/drawing/2014/main" id="{9109CBA3-5AE4-E3A6-4787-29345CDD0FA8}"/>
+              </a:ext>
+            </a:extLst>
+          </p:cNvPr>
+          <p:cNvGrpSpPr/>
+          <p:nvPr/>
+        </p:nvGrpSpPr>
+        <p:grpSpPr>
+          <a:xfrm>
+            <a:off x="1377386" y="4303724"/>
+            <a:ext cx="2187616" cy="1125638"/>
+            <a:chOff x="3565002" y="3252696"/>
+            <a:chExt cx="2187616" cy="1125638"/>
+          </a:xfrm>
+        </p:grpSpPr>
+        <p:sp>
+          <p:nvSpPr>
+            <p:cNvPr id="6" name="Rectangle 5">
+              <a:extLst>
+                <a:ext uri="{FF2B5EF4-FFF2-40B4-BE49-F238E27FC236}">
+                  <a16:creationId xmlns:a16="http://schemas.microsoft.com/office/drawing/2014/main" id="{BA27DE5F-C116-1316-A843-4F5D3E2177F5}"/>
+                </a:ext>
+              </a:extLst>
+            </p:cNvPr>
+            <p:cNvSpPr/>
+            <p:nvPr/>
+          </p:nvSpPr>
+          <p:spPr>
+            <a:xfrm>
+              <a:off x="3565002" y="3252696"/>
+              <a:ext cx="2187616" cy="1125638"/>
+            </a:xfrm>
+            <a:prstGeom prst="rect">
+              <a:avLst/>
+            </a:prstGeom>
+            <a:solidFill>
+              <a:schemeClr val="bg1">
+                <a:lumMod val="65000"/>
+                <a:lumOff val="35000"/>
+                <a:alpha val="74118"/>
+              </a:schemeClr>
+            </a:solidFill>
+            <a:ln>
+              <a:solidFill>
+                <a:schemeClr val="tx1"/>
+              </a:solidFill>
+            </a:ln>
+          </p:spPr>
+          <p:style>
+            <a:lnRef idx="2">
+              <a:schemeClr val="accent1">
+                <a:shade val="15000"/>
+              </a:schemeClr>
+            </a:lnRef>
+            <a:fillRef idx="1">
+              <a:schemeClr val="accent1"/>
+            </a:fillRef>
+            <a:effectRef idx="0">
+              <a:schemeClr val="accent1"/>
+            </a:effectRef>
+            <a:fontRef idx="minor">
+              <a:schemeClr val="lt1"/>
+            </a:fontRef>
+          </p:style>
+          <p:txBody>
+            <a:bodyPr rtlCol="0" anchor="ctr"/>
+            <a:lstStyle/>
+            <a:p>
+              <a:pPr algn="ctr"/>
+              <a:endParaRPr lang="en-GB" dirty="0"/>
+            </a:p>
+          </p:txBody>
+        </p:sp>
+        <p:pic>
+          <p:nvPicPr>
+            <p:cNvPr id="9" name="Picture 8" descr="A white text on a black background&#10;&#10;AI-generated content may be incorrect.">
+              <a:extLst>
+                <a:ext uri="{FF2B5EF4-FFF2-40B4-BE49-F238E27FC236}">
+                  <a16:creationId xmlns:a16="http://schemas.microsoft.com/office/drawing/2014/main" id="{963D7F78-795A-E2BE-FEC5-1E219335006E}"/>
+                </a:ext>
+              </a:extLst>
+            </p:cNvPr>
+            <p:cNvPicPr>
+              <a:picLocks noChangeAspect="1"/>
+            </p:cNvPicPr>
+            <p:nvPr/>
+          </p:nvPicPr>
+          <p:blipFill>
+            <a:blip r:embed="rId4"/>
+            <a:stretch>
+              <a:fillRect/>
+            </a:stretch>
+          </p:blipFill>
+          <p:spPr>
+            <a:xfrm>
+              <a:off x="3653294" y="3645088"/>
+              <a:ext cx="2011031" cy="340853"/>
+            </a:xfrm>
+            <a:prstGeom prst="rect">
+              <a:avLst/>
+            </a:prstGeom>
+          </p:spPr>
+        </p:pic>
+      </p:grpSp>
+      <p:sp>
+        <p:nvSpPr>
+          <p:cNvPr id="13" name="TextBox 12">
+            <a:extLst>
+              <a:ext uri="{FF2B5EF4-FFF2-40B4-BE49-F238E27FC236}">
+                <a16:creationId xmlns:a16="http://schemas.microsoft.com/office/drawing/2014/main" id="{1C41D29B-E47A-D2ED-D0B6-399285CAE48A}"/>
+              </a:ext>
+            </a:extLst>
+          </p:cNvPr>
+          <p:cNvSpPr txBox="1"/>
+          <p:nvPr/>
+        </p:nvSpPr>
+        <p:spPr>
+          <a:xfrm>
+            <a:off x="6220325" y="2282059"/>
+            <a:ext cx="907357" cy="2646878"/>
+          </a:xfrm>
+          <a:prstGeom prst="rect">
+            <a:avLst/>
+          </a:prstGeom>
+          <a:noFill/>
+        </p:spPr>
+        <p:txBody>
+          <a:bodyPr wrap="square">
+            <a:spAutoFit/>
+          </a:bodyPr>
+          <a:lstStyle/>
+          <a:p>
+            <a:r>
+              <a:rPr lang="en-US" sz="16600" dirty="0">
+                <a:latin typeface="Adelle Sans Devanagari" panose="02000503000000020004" pitchFamily="2" charset="-78"/>
+                <a:cs typeface="Adelle Sans Devanagari" panose="02000503000000020004" pitchFamily="2" charset="-78"/>
+              </a:rPr>
+              <a:t>}</a:t>
+            </a:r>
+          </a:p>
+        </p:txBody>
+      </p:sp>
+      <p:sp>
+        <p:nvSpPr>
+          <p:cNvPr id="15" name="Rectangle 14">
+            <a:extLst>
+              <a:ext uri="{FF2B5EF4-FFF2-40B4-BE49-F238E27FC236}">
+                <a16:creationId xmlns:a16="http://schemas.microsoft.com/office/drawing/2014/main" id="{3B744D31-174D-B9D1-3C22-B12393B1E1E7}"/>
+              </a:ext>
+            </a:extLst>
+          </p:cNvPr>
+          <p:cNvSpPr/>
+          <p:nvPr/>
+        </p:nvSpPr>
+        <p:spPr>
+          <a:xfrm>
+            <a:off x="7933125" y="3178086"/>
+            <a:ext cx="2187616" cy="1125638"/>
+          </a:xfrm>
+          <a:prstGeom prst="rect">
+            <a:avLst/>
+          </a:prstGeom>
+          <a:solidFill>
+            <a:schemeClr val="bg1">
+              <a:lumMod val="65000"/>
+              <a:lumOff val="35000"/>
+              <a:alpha val="74118"/>
+            </a:schemeClr>
+          </a:solidFill>
+          <a:ln>
+            <a:solidFill>
+              <a:schemeClr val="tx1"/>
+            </a:solidFill>
+          </a:ln>
+        </p:spPr>
+        <p:style>
+          <a:lnRef idx="2">
+            <a:schemeClr val="accent1">
+              <a:shade val="15000"/>
+            </a:schemeClr>
+          </a:lnRef>
+          <a:fillRef idx="1">
+            <a:schemeClr val="accent1"/>
+          </a:fillRef>
+          <a:effectRef idx="0">
+            <a:schemeClr val="accent1"/>
+          </a:effectRef>
+          <a:fontRef idx="minor">
+            <a:schemeClr val="lt1"/>
+          </a:fontRef>
+        </p:style>
+        <p:txBody>
+          <a:bodyPr rtlCol="0" anchor="ctr"/>
+          <a:lstStyle/>
+          <a:p>
+            <a:pPr algn="ctr"/>
+            <a:r>
+              <a:rPr lang="en-GB" dirty="0"/>
+              <a:t>Backend</a:t>
+            </a:r>
+          </a:p>
+        </p:txBody>
+      </p:sp>
+      <p:pic>
+        <p:nvPicPr>
+          <p:cNvPr id="20" name="Picture 19" descr="A white and black logo&#10;&#10;AI-generated content may be incorrect.">
+            <a:extLst>
+              <a:ext uri="{FF2B5EF4-FFF2-40B4-BE49-F238E27FC236}">
+                <a16:creationId xmlns:a16="http://schemas.microsoft.com/office/drawing/2014/main" id="{F7D4965A-822E-5DD8-473B-D09898A71107}"/>
+              </a:ext>
+            </a:extLst>
+          </p:cNvPr>
+          <p:cNvPicPr>
+            <a:picLocks noChangeAspect="1"/>
+          </p:cNvPicPr>
+          <p:nvPr/>
+        </p:nvPicPr>
+        <p:blipFill>
+          <a:blip r:embed="rId5"/>
+          <a:stretch>
+            <a:fillRect/>
+          </a:stretch>
+        </p:blipFill>
+        <p:spPr>
+          <a:xfrm>
+            <a:off x="4789085" y="2940410"/>
+            <a:ext cx="1246083" cy="1600990"/>
+          </a:xfrm>
+          <a:prstGeom prst="rect">
+            <a:avLst/>
+          </a:prstGeom>
+        </p:spPr>
+      </p:pic>
     </p:spTree>
     <p:extLst>
       <p:ext uri="{BB962C8B-B14F-4D97-AF65-F5344CB8AC3E}">
-        <p14:creationId xmlns:p14="http://schemas.microsoft.com/office/powerpoint/2010/main" val="592054978"/>
+        <p14:creationId xmlns:p14="http://schemas.microsoft.com/office/powerpoint/2010/main" val="2676260974"/>
       </p:ext>
     </p:extLst>
   </p:cSld>
